--- a/LogReg_Diagnostics_SimerReddy.pptx
+++ b/LogReg_Diagnostics_SimerReddy.pptx
@@ -20,6 +20,8 @@
     <p:sldId id="266" r:id="rId14"/>
     <p:sldId id="267" r:id="rId15"/>
     <p:sldId id="268" r:id="rId16"/>
+    <p:sldId id="271" r:id="rId17"/>
+    <p:sldId id="272" r:id="rId18"/>
   </p:sldIdLst>
   <p:sldSz cx="12192000" cy="6858000"/>
   <p:notesSz cx="6858000" cy="9144000"/>
@@ -299,7 +301,7 @@
           <a:p>
             <a:fld id="{F5188BD8-DF33-457F-9E30-D7BA7B081569}" type="datetimeFigureOut">
               <a:rPr lang="en-US" smtClean="0"/>
-              <a:t>11/30/2020</a:t>
+              <a:t>12/1/2020</a:t>
             </a:fld>
             <a:endParaRPr lang="en-US"/>
           </a:p>
@@ -497,7 +499,7 @@
           <a:p>
             <a:fld id="{F5188BD8-DF33-457F-9E30-D7BA7B081569}" type="datetimeFigureOut">
               <a:rPr lang="en-US" smtClean="0"/>
-              <a:t>11/30/2020</a:t>
+              <a:t>12/1/2020</a:t>
             </a:fld>
             <a:endParaRPr lang="en-US"/>
           </a:p>
@@ -705,7 +707,7 @@
           <a:p>
             <a:fld id="{F5188BD8-DF33-457F-9E30-D7BA7B081569}" type="datetimeFigureOut">
               <a:rPr lang="en-US" smtClean="0"/>
-              <a:t>11/30/2020</a:t>
+              <a:t>12/1/2020</a:t>
             </a:fld>
             <a:endParaRPr lang="en-US"/>
           </a:p>
@@ -903,7 +905,7 @@
           <a:p>
             <a:fld id="{F5188BD8-DF33-457F-9E30-D7BA7B081569}" type="datetimeFigureOut">
               <a:rPr lang="en-US" smtClean="0"/>
-              <a:t>11/30/2020</a:t>
+              <a:t>12/1/2020</a:t>
             </a:fld>
             <a:endParaRPr lang="en-US"/>
           </a:p>
@@ -1178,7 +1180,7 @@
           <a:p>
             <a:fld id="{F5188BD8-DF33-457F-9E30-D7BA7B081569}" type="datetimeFigureOut">
               <a:rPr lang="en-US" smtClean="0"/>
-              <a:t>11/30/2020</a:t>
+              <a:t>12/1/2020</a:t>
             </a:fld>
             <a:endParaRPr lang="en-US"/>
           </a:p>
@@ -1443,7 +1445,7 @@
           <a:p>
             <a:fld id="{F5188BD8-DF33-457F-9E30-D7BA7B081569}" type="datetimeFigureOut">
               <a:rPr lang="en-US" smtClean="0"/>
-              <a:t>11/30/2020</a:t>
+              <a:t>12/1/2020</a:t>
             </a:fld>
             <a:endParaRPr lang="en-US"/>
           </a:p>
@@ -1855,7 +1857,7 @@
           <a:p>
             <a:fld id="{F5188BD8-DF33-457F-9E30-D7BA7B081569}" type="datetimeFigureOut">
               <a:rPr lang="en-US" smtClean="0"/>
-              <a:t>11/30/2020</a:t>
+              <a:t>12/1/2020</a:t>
             </a:fld>
             <a:endParaRPr lang="en-US"/>
           </a:p>
@@ -1996,7 +1998,7 @@
           <a:p>
             <a:fld id="{F5188BD8-DF33-457F-9E30-D7BA7B081569}" type="datetimeFigureOut">
               <a:rPr lang="en-US" smtClean="0"/>
-              <a:t>11/30/2020</a:t>
+              <a:t>12/1/2020</a:t>
             </a:fld>
             <a:endParaRPr lang="en-US"/>
           </a:p>
@@ -2109,7 +2111,7 @@
           <a:p>
             <a:fld id="{F5188BD8-DF33-457F-9E30-D7BA7B081569}" type="datetimeFigureOut">
               <a:rPr lang="en-US" smtClean="0"/>
-              <a:t>11/30/2020</a:t>
+              <a:t>12/1/2020</a:t>
             </a:fld>
             <a:endParaRPr lang="en-US"/>
           </a:p>
@@ -2420,7 +2422,7 @@
           <a:p>
             <a:fld id="{F5188BD8-DF33-457F-9E30-D7BA7B081569}" type="datetimeFigureOut">
               <a:rPr lang="en-US" smtClean="0"/>
-              <a:t>11/30/2020</a:t>
+              <a:t>12/1/2020</a:t>
             </a:fld>
             <a:endParaRPr lang="en-US"/>
           </a:p>
@@ -2708,7 +2710,7 @@
           <a:p>
             <a:fld id="{F5188BD8-DF33-457F-9E30-D7BA7B081569}" type="datetimeFigureOut">
               <a:rPr lang="en-US" smtClean="0"/>
-              <a:t>11/30/2020</a:t>
+              <a:t>12/1/2020</a:t>
             </a:fld>
             <a:endParaRPr lang="en-US"/>
           </a:p>
@@ -2949,7 +2951,7 @@
           <a:p>
             <a:fld id="{F5188BD8-DF33-457F-9E30-D7BA7B081569}" type="datetimeFigureOut">
               <a:rPr lang="en-US" smtClean="0"/>
-              <a:t>11/30/2020</a:t>
+              <a:t>12/1/2020</a:t>
             </a:fld>
             <a:endParaRPr lang="en-US"/>
           </a:p>
@@ -4239,6 +4241,343 @@
     <p:extLst>
       <p:ext uri="{BB962C8B-B14F-4D97-AF65-F5344CB8AC3E}">
         <p14:creationId xmlns:p14="http://schemas.microsoft.com/office/powerpoint/2010/main" val="3161530993"/>
+      </p:ext>
+    </p:extLst>
+  </p:cSld>
+  <p:clrMapOvr>
+    <a:masterClrMapping/>
+  </p:clrMapOvr>
+</p:sld>
+</file>
+
+<file path=ppt/slides/slide16.xml><?xml version="1.0" encoding="utf-8"?>
+<p:sld xmlns:a="http://schemas.openxmlformats.org/drawingml/2006/main" xmlns:r="http://schemas.openxmlformats.org/officeDocument/2006/relationships" xmlns:p="http://schemas.openxmlformats.org/presentationml/2006/main">
+  <p:cSld>
+    <p:spTree>
+      <p:nvGrpSpPr>
+        <p:cNvPr id="1" name=""/>
+        <p:cNvGrpSpPr/>
+        <p:nvPr/>
+      </p:nvGrpSpPr>
+      <p:grpSpPr>
+        <a:xfrm>
+          <a:off x="0" y="0"/>
+          <a:ext cx="0" cy="0"/>
+          <a:chOff x="0" y="0"/>
+          <a:chExt cx="0" cy="0"/>
+        </a:xfrm>
+      </p:grpSpPr>
+      <p:sp>
+        <p:nvSpPr>
+          <p:cNvPr id="2" name="Title 1">
+            <a:extLst>
+              <a:ext uri="{FF2B5EF4-FFF2-40B4-BE49-F238E27FC236}">
+                <a16:creationId xmlns:a16="http://schemas.microsoft.com/office/drawing/2014/main" id="{FA9FA54E-CEF5-48C1-8765-9197B591AC1D}"/>
+              </a:ext>
+            </a:extLst>
+          </p:cNvPr>
+          <p:cNvSpPr>
+            <a:spLocks noGrp="1"/>
+          </p:cNvSpPr>
+          <p:nvPr>
+            <p:ph type="title"/>
+          </p:nvPr>
+        </p:nvSpPr>
+        <p:spPr>
+          <a:xfrm>
+            <a:off x="7465503" y="725851"/>
+            <a:ext cx="3460097" cy="1325563"/>
+          </a:xfrm>
+        </p:spPr>
+        <p:txBody>
+          <a:bodyPr>
+            <a:normAutofit/>
+          </a:bodyPr>
+          <a:lstStyle/>
+          <a:p>
+            <a:r>
+              <a:rPr lang="en-US" sz="1100" dirty="0"/>
+              <a:t>full.log&lt;-</a:t>
+            </a:r>
+            <a:r>
+              <a:rPr lang="en-US" sz="1100" dirty="0" err="1"/>
+              <a:t>glm</a:t>
+            </a:r>
+            <a:r>
+              <a:rPr lang="en-US" sz="1100" dirty="0"/>
+              <a:t>(y~education+default+month+duration+campaign+poutcome+cons_price_idx+euribor3m+Age_Grp,family="</a:t>
+            </a:r>
+            <a:r>
+              <a:rPr lang="en-US" sz="1100" dirty="0" err="1"/>
+              <a:t>binomial",data</a:t>
+            </a:r>
+            <a:r>
+              <a:rPr lang="en-US" sz="1100" dirty="0"/>
+              <a:t>=train)</a:t>
+            </a:r>
+            <a:br>
+              <a:rPr lang="en-US" sz="1100" dirty="0"/>
+            </a:br>
+            <a:r>
+              <a:rPr lang="en-US" sz="1100" dirty="0"/>
+              <a:t>step.log&lt;-full.log %&gt;% </a:t>
+            </a:r>
+            <a:r>
+              <a:rPr lang="en-US" sz="1100" dirty="0" err="1"/>
+              <a:t>stepAIC</a:t>
+            </a:r>
+            <a:r>
+              <a:rPr lang="en-US" sz="1100" dirty="0"/>
+              <a:t>(trace=FALSE)</a:t>
+            </a:r>
+            <a:br>
+              <a:rPr lang="en-US" sz="1100" dirty="0"/>
+            </a:br>
+            <a:r>
+              <a:rPr lang="en-US" sz="1100" dirty="0"/>
+              <a:t>summary(step.log)</a:t>
+            </a:r>
+            <a:br>
+              <a:rPr lang="en-US" sz="1100" dirty="0"/>
+            </a:br>
+            <a:r>
+              <a:rPr lang="en-US" sz="1100" dirty="0"/>
+              <a:t>plot(step.log)</a:t>
+            </a:r>
+          </a:p>
+        </p:txBody>
+      </p:sp>
+      <p:pic>
+        <p:nvPicPr>
+          <p:cNvPr id="5" name="Content Placeholder 4">
+            <a:extLst>
+              <a:ext uri="{FF2B5EF4-FFF2-40B4-BE49-F238E27FC236}">
+                <a16:creationId xmlns:a16="http://schemas.microsoft.com/office/drawing/2014/main" id="{27DE9818-EA54-4FDA-B027-2EAF35BA083B}"/>
+              </a:ext>
+            </a:extLst>
+          </p:cNvPr>
+          <p:cNvPicPr>
+            <a:picLocks noGrp="1" noChangeAspect="1"/>
+          </p:cNvPicPr>
+          <p:nvPr>
+            <p:ph idx="1"/>
+          </p:nvPr>
+        </p:nvPicPr>
+        <p:blipFill>
+          <a:blip r:embed="rId2"/>
+          <a:stretch>
+            <a:fillRect/>
+          </a:stretch>
+        </p:blipFill>
+        <p:spPr>
+          <a:xfrm>
+            <a:off x="681535" y="1954413"/>
+            <a:ext cx="3616762" cy="4351338"/>
+          </a:xfrm>
+        </p:spPr>
+      </p:pic>
+      <p:pic>
+        <p:nvPicPr>
+          <p:cNvPr id="7" name="Picture 6">
+            <a:extLst>
+              <a:ext uri="{FF2B5EF4-FFF2-40B4-BE49-F238E27FC236}">
+                <a16:creationId xmlns:a16="http://schemas.microsoft.com/office/drawing/2014/main" id="{DF4809B2-805F-4B9F-86B2-D0E0F70F67F6}"/>
+              </a:ext>
+            </a:extLst>
+          </p:cNvPr>
+          <p:cNvPicPr>
+            <a:picLocks noChangeAspect="1"/>
+          </p:cNvPicPr>
+          <p:nvPr/>
+        </p:nvPicPr>
+        <p:blipFill>
+          <a:blip r:embed="rId3"/>
+          <a:stretch>
+            <a:fillRect/>
+          </a:stretch>
+        </p:blipFill>
+        <p:spPr>
+          <a:xfrm>
+            <a:off x="4480978" y="1954413"/>
+            <a:ext cx="5728543" cy="4351338"/>
+          </a:xfrm>
+          <a:prstGeom prst="rect">
+            <a:avLst/>
+          </a:prstGeom>
+        </p:spPr>
+      </p:pic>
+      <p:sp>
+        <p:nvSpPr>
+          <p:cNvPr id="8" name="Title 1">
+            <a:extLst>
+              <a:ext uri="{FF2B5EF4-FFF2-40B4-BE49-F238E27FC236}">
+                <a16:creationId xmlns:a16="http://schemas.microsoft.com/office/drawing/2014/main" id="{DF100914-E10F-4C3D-A5EA-B72D91D63D57}"/>
+              </a:ext>
+            </a:extLst>
+          </p:cNvPr>
+          <p:cNvSpPr txBox="1">
+            <a:spLocks/>
+          </p:cNvSpPr>
+          <p:nvPr/>
+        </p:nvSpPr>
+        <p:spPr>
+          <a:xfrm>
+            <a:off x="879005" y="433635"/>
+            <a:ext cx="5728543" cy="1325563"/>
+          </a:xfrm>
+          <a:prstGeom prst="rect">
+            <a:avLst/>
+          </a:prstGeom>
+        </p:spPr>
+        <p:txBody>
+          <a:bodyPr vert="horz" lIns="91440" tIns="45720" rIns="91440" bIns="45720" rtlCol="0" anchor="ctr">
+            <a:normAutofit/>
+          </a:bodyPr>
+          <a:lstStyle>
+            <a:lvl1pPr algn="l" defTabSz="914400" rtl="0" eaLnBrk="1" latinLnBrk="0" hangingPunct="1">
+              <a:lnSpc>
+                <a:spcPct val="90000"/>
+              </a:lnSpc>
+              <a:spcBef>
+                <a:spcPct val="0"/>
+              </a:spcBef>
+              <a:buNone/>
+              <a:defRPr sz="4400" kern="1200">
+                <a:solidFill>
+                  <a:schemeClr val="tx1"/>
+                </a:solidFill>
+                <a:latin typeface="+mj-lt"/>
+                <a:ea typeface="+mj-ea"/>
+                <a:cs typeface="+mj-cs"/>
+              </a:defRPr>
+            </a:lvl1pPr>
+          </a:lstStyle>
+          <a:p>
+            <a:r>
+              <a:rPr lang="en-US" sz="2800" dirty="0"/>
+              <a:t>Residuals/Deviance/Cooks D</a:t>
+            </a:r>
+          </a:p>
+        </p:txBody>
+      </p:sp>
+    </p:spTree>
+    <p:extLst>
+      <p:ext uri="{BB962C8B-B14F-4D97-AF65-F5344CB8AC3E}">
+        <p14:creationId xmlns:p14="http://schemas.microsoft.com/office/powerpoint/2010/main" val="831791511"/>
+      </p:ext>
+    </p:extLst>
+  </p:cSld>
+  <p:clrMapOvr>
+    <a:masterClrMapping/>
+  </p:clrMapOvr>
+</p:sld>
+</file>
+
+<file path=ppt/slides/slide17.xml><?xml version="1.0" encoding="utf-8"?>
+<p:sld xmlns:a="http://schemas.openxmlformats.org/drawingml/2006/main" xmlns:r="http://schemas.openxmlformats.org/officeDocument/2006/relationships" xmlns:p="http://schemas.openxmlformats.org/presentationml/2006/main">
+  <p:cSld>
+    <p:spTree>
+      <p:nvGrpSpPr>
+        <p:cNvPr id="1" name=""/>
+        <p:cNvGrpSpPr/>
+        <p:nvPr/>
+      </p:nvGrpSpPr>
+      <p:grpSpPr>
+        <a:xfrm>
+          <a:off x="0" y="0"/>
+          <a:ext cx="0" cy="0"/>
+          <a:chOff x="0" y="0"/>
+          <a:chExt cx="0" cy="0"/>
+        </a:xfrm>
+      </p:grpSpPr>
+      <p:sp>
+        <p:nvSpPr>
+          <p:cNvPr id="2" name="Title 1">
+            <a:extLst>
+              <a:ext uri="{FF2B5EF4-FFF2-40B4-BE49-F238E27FC236}">
+                <a16:creationId xmlns:a16="http://schemas.microsoft.com/office/drawing/2014/main" id="{C82D11FB-3E98-4A6E-831D-4903BBA8820A}"/>
+              </a:ext>
+            </a:extLst>
+          </p:cNvPr>
+          <p:cNvSpPr>
+            <a:spLocks noGrp="1"/>
+          </p:cNvSpPr>
+          <p:nvPr>
+            <p:ph type="title"/>
+          </p:nvPr>
+        </p:nvSpPr>
+        <p:spPr/>
+        <p:txBody>
+          <a:bodyPr/>
+          <a:lstStyle/>
+          <a:p>
+            <a:endParaRPr lang="en-US"/>
+          </a:p>
+        </p:txBody>
+      </p:sp>
+      <p:pic>
+        <p:nvPicPr>
+          <p:cNvPr id="5" name="Content Placeholder 4">
+            <a:extLst>
+              <a:ext uri="{FF2B5EF4-FFF2-40B4-BE49-F238E27FC236}">
+                <a16:creationId xmlns:a16="http://schemas.microsoft.com/office/drawing/2014/main" id="{D17F10FC-AAAC-43F4-A993-48302CC7D298}"/>
+              </a:ext>
+            </a:extLst>
+          </p:cNvPr>
+          <p:cNvPicPr>
+            <a:picLocks noGrp="1" noChangeAspect="1"/>
+          </p:cNvPicPr>
+          <p:nvPr>
+            <p:ph idx="1"/>
+          </p:nvPr>
+        </p:nvPicPr>
+        <p:blipFill>
+          <a:blip r:embed="rId2"/>
+          <a:stretch>
+            <a:fillRect/>
+          </a:stretch>
+        </p:blipFill>
+        <p:spPr>
+          <a:xfrm>
+            <a:off x="761461" y="1909515"/>
+            <a:ext cx="3756550" cy="4351338"/>
+          </a:xfrm>
+        </p:spPr>
+      </p:pic>
+      <p:pic>
+        <p:nvPicPr>
+          <p:cNvPr id="7" name="Picture 6">
+            <a:extLst>
+              <a:ext uri="{FF2B5EF4-FFF2-40B4-BE49-F238E27FC236}">
+                <a16:creationId xmlns:a16="http://schemas.microsoft.com/office/drawing/2014/main" id="{BD736199-4DD7-4672-AF9D-8B41F395902F}"/>
+              </a:ext>
+            </a:extLst>
+          </p:cNvPr>
+          <p:cNvPicPr>
+            <a:picLocks noChangeAspect="1"/>
+          </p:cNvPicPr>
+          <p:nvPr/>
+        </p:nvPicPr>
+        <p:blipFill>
+          <a:blip r:embed="rId3"/>
+          <a:stretch>
+            <a:fillRect/>
+          </a:stretch>
+        </p:blipFill>
+        <p:spPr>
+          <a:xfrm>
+            <a:off x="4861959" y="1823736"/>
+            <a:ext cx="6491841" cy="4437118"/>
+          </a:xfrm>
+          <a:prstGeom prst="rect">
+            <a:avLst/>
+          </a:prstGeom>
+        </p:spPr>
+      </p:pic>
+    </p:spTree>
+    <p:extLst>
+      <p:ext uri="{BB962C8B-B14F-4D97-AF65-F5344CB8AC3E}">
+        <p14:creationId xmlns:p14="http://schemas.microsoft.com/office/powerpoint/2010/main" val="2864661299"/>
       </p:ext>
     </p:extLst>
   </p:cSld>

--- a/LogReg_Diagnostics_SimerReddy.pptx
+++ b/LogReg_Diagnostics_SimerReddy.pptx
@@ -22,6 +22,13 @@
     <p:sldId id="268" r:id="rId16"/>
     <p:sldId id="271" r:id="rId17"/>
     <p:sldId id="272" r:id="rId18"/>
+    <p:sldId id="273" r:id="rId19"/>
+    <p:sldId id="277" r:id="rId20"/>
+    <p:sldId id="280" r:id="rId21"/>
+    <p:sldId id="279" r:id="rId22"/>
+    <p:sldId id="281" r:id="rId23"/>
+    <p:sldId id="274" r:id="rId24"/>
+    <p:sldId id="282" r:id="rId25"/>
   </p:sldIdLst>
   <p:sldSz cx="12192000" cy="6858000"/>
   <p:notesSz cx="6858000" cy="9144000"/>
@@ -4372,7 +4379,7 @@
         <p:spPr>
           <a:xfrm>
             <a:off x="681535" y="1954413"/>
-            <a:ext cx="3616762" cy="4351338"/>
+            <a:ext cx="4125358" cy="4351338"/>
           </a:xfrm>
         </p:spPr>
       </p:pic>
@@ -4511,7 +4518,10 @@
           <a:bodyPr/>
           <a:lstStyle/>
           <a:p>
-            <a:endParaRPr lang="en-US"/>
+            <a:r>
+              <a:rPr lang="en-US" dirty="0"/>
+              <a:t>Full training data set</a:t>
+            </a:r>
           </a:p>
         </p:txBody>
       </p:sp>
@@ -4578,6 +4588,747 @@
     <p:extLst>
       <p:ext uri="{BB962C8B-B14F-4D97-AF65-F5344CB8AC3E}">
         <p14:creationId xmlns:p14="http://schemas.microsoft.com/office/powerpoint/2010/main" val="2864661299"/>
+      </p:ext>
+    </p:extLst>
+  </p:cSld>
+  <p:clrMapOvr>
+    <a:masterClrMapping/>
+  </p:clrMapOvr>
+</p:sld>
+</file>
+
+<file path=ppt/slides/slide18.xml><?xml version="1.0" encoding="utf-8"?>
+<p:sld xmlns:a="http://schemas.openxmlformats.org/drawingml/2006/main" xmlns:r="http://schemas.openxmlformats.org/officeDocument/2006/relationships" xmlns:p="http://schemas.openxmlformats.org/presentationml/2006/main">
+  <p:cSld>
+    <p:spTree>
+      <p:nvGrpSpPr>
+        <p:cNvPr id="1" name=""/>
+        <p:cNvGrpSpPr/>
+        <p:nvPr/>
+      </p:nvGrpSpPr>
+      <p:grpSpPr>
+        <a:xfrm>
+          <a:off x="0" y="0"/>
+          <a:ext cx="0" cy="0"/>
+          <a:chOff x="0" y="0"/>
+          <a:chExt cx="0" cy="0"/>
+        </a:xfrm>
+      </p:grpSpPr>
+      <p:sp>
+        <p:nvSpPr>
+          <p:cNvPr id="2" name="Title 1">
+            <a:extLst>
+              <a:ext uri="{FF2B5EF4-FFF2-40B4-BE49-F238E27FC236}">
+                <a16:creationId xmlns:a16="http://schemas.microsoft.com/office/drawing/2014/main" id="{CE59EDE2-4C6B-4C5A-BFD1-2C6ED6C5E523}"/>
+              </a:ext>
+            </a:extLst>
+          </p:cNvPr>
+          <p:cNvSpPr>
+            <a:spLocks noGrp="1"/>
+          </p:cNvSpPr>
+          <p:nvPr>
+            <p:ph type="title"/>
+          </p:nvPr>
+        </p:nvSpPr>
+        <p:spPr>
+          <a:xfrm>
+            <a:off x="502298" y="942392"/>
+            <a:ext cx="2492829" cy="880219"/>
+          </a:xfrm>
+        </p:spPr>
+        <p:txBody>
+          <a:bodyPr/>
+          <a:lstStyle/>
+          <a:p>
+            <a:r>
+              <a:rPr lang="en-US" dirty="0"/>
+              <a:t>train</a:t>
+            </a:r>
+          </a:p>
+        </p:txBody>
+      </p:sp>
+      <p:pic>
+        <p:nvPicPr>
+          <p:cNvPr id="5" name="Content Placeholder 4">
+            <a:extLst>
+              <a:ext uri="{FF2B5EF4-FFF2-40B4-BE49-F238E27FC236}">
+                <a16:creationId xmlns:a16="http://schemas.microsoft.com/office/drawing/2014/main" id="{BD0BA62E-FBB4-4242-B261-FDA8006A43B8}"/>
+              </a:ext>
+            </a:extLst>
+          </p:cNvPr>
+          <p:cNvPicPr>
+            <a:picLocks noGrp="1" noChangeAspect="1"/>
+          </p:cNvPicPr>
+          <p:nvPr>
+            <p:ph idx="1"/>
+          </p:nvPr>
+        </p:nvPicPr>
+        <p:blipFill>
+          <a:blip r:embed="rId2"/>
+          <a:stretch>
+            <a:fillRect/>
+          </a:stretch>
+        </p:blipFill>
+        <p:spPr>
+          <a:xfrm>
+            <a:off x="351498" y="1866586"/>
+            <a:ext cx="3404414" cy="4351338"/>
+          </a:xfrm>
+        </p:spPr>
+      </p:pic>
+      <p:sp>
+        <p:nvSpPr>
+          <p:cNvPr id="6" name="Title 1">
+            <a:extLst>
+              <a:ext uri="{FF2B5EF4-FFF2-40B4-BE49-F238E27FC236}">
+                <a16:creationId xmlns:a16="http://schemas.microsoft.com/office/drawing/2014/main" id="{4FDF2156-DF7C-46BB-B0D5-66E90F891F09}"/>
+              </a:ext>
+            </a:extLst>
+          </p:cNvPr>
+          <p:cNvSpPr txBox="1">
+            <a:spLocks/>
+          </p:cNvSpPr>
+          <p:nvPr/>
+        </p:nvSpPr>
+        <p:spPr>
+          <a:xfrm>
+            <a:off x="3845754" y="942392"/>
+            <a:ext cx="3548770" cy="836245"/>
+          </a:xfrm>
+          <a:prstGeom prst="rect">
+            <a:avLst/>
+          </a:prstGeom>
+        </p:spPr>
+        <p:txBody>
+          <a:bodyPr vert="horz" lIns="91440" tIns="45720" rIns="91440" bIns="45720" rtlCol="0" anchor="ctr">
+            <a:normAutofit fontScale="32500" lnSpcReduction="20000"/>
+          </a:bodyPr>
+          <a:lstStyle>
+            <a:lvl1pPr algn="l" defTabSz="914400" rtl="0" eaLnBrk="1" latinLnBrk="0" hangingPunct="1">
+              <a:lnSpc>
+                <a:spcPct val="90000"/>
+              </a:lnSpc>
+              <a:spcBef>
+                <a:spcPct val="0"/>
+              </a:spcBef>
+              <a:buNone/>
+              <a:defRPr sz="4400" kern="1200">
+                <a:solidFill>
+                  <a:schemeClr val="tx1"/>
+                </a:solidFill>
+                <a:latin typeface="+mj-lt"/>
+                <a:ea typeface="+mj-ea"/>
+                <a:cs typeface="+mj-cs"/>
+              </a:defRPr>
+            </a:lvl1pPr>
+          </a:lstStyle>
+          <a:p>
+            <a:r>
+              <a:rPr lang="en-US" b="1" dirty="0"/>
+              <a:t>train 2</a:t>
+            </a:r>
+          </a:p>
+          <a:p>
+            <a:r>
+              <a:rPr lang="en-US" sz="4400" dirty="0"/>
+              <a:t>train2 &lt;- train %&gt;% </a:t>
+            </a:r>
+            <a:r>
+              <a:rPr lang="en-US" sz="4400" dirty="0" err="1"/>
+              <a:t>dplyr</a:t>
+            </a:r>
+            <a:r>
+              <a:rPr lang="en-US" sz="4400" dirty="0"/>
+              <a:t>::filter(!</a:t>
+            </a:r>
+            <a:r>
+              <a:rPr lang="en-US" sz="4400" dirty="0" err="1"/>
+              <a:t>rownames</a:t>
+            </a:r>
+            <a:r>
+              <a:rPr lang="en-US" sz="4400" dirty="0"/>
+              <a:t>(train) %in% c("17215","33682","21207"))</a:t>
+            </a:r>
+            <a:endParaRPr lang="en-US" dirty="0"/>
+          </a:p>
+        </p:txBody>
+      </p:sp>
+      <p:pic>
+        <p:nvPicPr>
+          <p:cNvPr id="7" name="Content Placeholder 4">
+            <a:extLst>
+              <a:ext uri="{FF2B5EF4-FFF2-40B4-BE49-F238E27FC236}">
+                <a16:creationId xmlns:a16="http://schemas.microsoft.com/office/drawing/2014/main" id="{34305CCC-D5A7-4C90-9288-62939EB5BCEB}"/>
+              </a:ext>
+            </a:extLst>
+          </p:cNvPr>
+          <p:cNvPicPr>
+            <a:picLocks noChangeAspect="1"/>
+          </p:cNvPicPr>
+          <p:nvPr/>
+        </p:nvPicPr>
+        <p:blipFill>
+          <a:blip r:embed="rId3"/>
+          <a:stretch>
+            <a:fillRect/>
+          </a:stretch>
+        </p:blipFill>
+        <p:spPr>
+          <a:xfrm>
+            <a:off x="3845753" y="1866586"/>
+            <a:ext cx="4090231" cy="4351338"/>
+          </a:xfrm>
+          <a:prstGeom prst="rect">
+            <a:avLst/>
+          </a:prstGeom>
+        </p:spPr>
+      </p:pic>
+      <p:pic>
+        <p:nvPicPr>
+          <p:cNvPr id="9" name="Picture 8">
+            <a:extLst>
+              <a:ext uri="{FF2B5EF4-FFF2-40B4-BE49-F238E27FC236}">
+                <a16:creationId xmlns:a16="http://schemas.microsoft.com/office/drawing/2014/main" id="{8494CC3B-1C8D-4C97-9A8B-405988F337CF}"/>
+              </a:ext>
+            </a:extLst>
+          </p:cNvPr>
+          <p:cNvPicPr>
+            <a:picLocks noChangeAspect="1"/>
+          </p:cNvPicPr>
+          <p:nvPr/>
+        </p:nvPicPr>
+        <p:blipFill>
+          <a:blip r:embed="rId4"/>
+          <a:stretch>
+            <a:fillRect/>
+          </a:stretch>
+        </p:blipFill>
+        <p:spPr>
+          <a:xfrm>
+            <a:off x="8061820" y="1866586"/>
+            <a:ext cx="3937347" cy="4351338"/>
+          </a:xfrm>
+          <a:prstGeom prst="rect">
+            <a:avLst/>
+          </a:prstGeom>
+        </p:spPr>
+      </p:pic>
+      <p:sp>
+        <p:nvSpPr>
+          <p:cNvPr id="10" name="Title 1">
+            <a:extLst>
+              <a:ext uri="{FF2B5EF4-FFF2-40B4-BE49-F238E27FC236}">
+                <a16:creationId xmlns:a16="http://schemas.microsoft.com/office/drawing/2014/main" id="{0523AE6B-3533-4DE8-B657-63AE0613F6F8}"/>
+              </a:ext>
+            </a:extLst>
+          </p:cNvPr>
+          <p:cNvSpPr txBox="1">
+            <a:spLocks/>
+          </p:cNvSpPr>
+          <p:nvPr/>
+        </p:nvSpPr>
+        <p:spPr>
+          <a:xfrm>
+            <a:off x="8165842" y="1046302"/>
+            <a:ext cx="3754914" cy="672398"/>
+          </a:xfrm>
+          <a:prstGeom prst="rect">
+            <a:avLst/>
+          </a:prstGeom>
+        </p:spPr>
+        <p:txBody>
+          <a:bodyPr vert="horz" lIns="91440" tIns="45720" rIns="91440" bIns="45720" rtlCol="0" anchor="ctr">
+            <a:normAutofit fontScale="25000" lnSpcReduction="20000"/>
+          </a:bodyPr>
+          <a:lstStyle>
+            <a:lvl1pPr algn="l" defTabSz="914400" rtl="0" eaLnBrk="1" latinLnBrk="0" hangingPunct="1">
+              <a:lnSpc>
+                <a:spcPct val="90000"/>
+              </a:lnSpc>
+              <a:spcBef>
+                <a:spcPct val="0"/>
+              </a:spcBef>
+              <a:buNone/>
+              <a:defRPr sz="4400" kern="1200">
+                <a:solidFill>
+                  <a:schemeClr val="tx1"/>
+                </a:solidFill>
+                <a:latin typeface="+mj-lt"/>
+                <a:ea typeface="+mj-ea"/>
+                <a:cs typeface="+mj-cs"/>
+              </a:defRPr>
+            </a:lvl1pPr>
+          </a:lstStyle>
+          <a:p>
+            <a:r>
+              <a:rPr lang="en-US" b="1" dirty="0"/>
+              <a:t>train 3</a:t>
+            </a:r>
+          </a:p>
+          <a:p>
+            <a:r>
+              <a:rPr lang="fr-FR" dirty="0"/>
+              <a:t>train3 &lt;- train %&gt;% </a:t>
+            </a:r>
+            <a:r>
+              <a:rPr lang="fr-FR" dirty="0" err="1"/>
+              <a:t>dplyr</a:t>
+            </a:r>
+            <a:r>
+              <a:rPr lang="fr-FR" dirty="0"/>
+              <a:t>::</a:t>
+            </a:r>
+            <a:r>
+              <a:rPr lang="fr-FR" dirty="0" err="1"/>
+              <a:t>filter</a:t>
+            </a:r>
+            <a:r>
+              <a:rPr lang="fr-FR" dirty="0"/>
+              <a:t>(</a:t>
+            </a:r>
+            <a:r>
+              <a:rPr lang="fr-FR" dirty="0" err="1"/>
+              <a:t>rownames</a:t>
+            </a:r>
+            <a:r>
+              <a:rPr lang="fr-FR" dirty="0"/>
+              <a:t>(train) %in% c("17215","33682","21207","24649","18438","21185"))</a:t>
+            </a:r>
+            <a:endParaRPr lang="en-US" dirty="0"/>
+          </a:p>
+        </p:txBody>
+      </p:sp>
+      <p:sp>
+        <p:nvSpPr>
+          <p:cNvPr id="11" name="Title 1">
+            <a:extLst>
+              <a:ext uri="{FF2B5EF4-FFF2-40B4-BE49-F238E27FC236}">
+                <a16:creationId xmlns:a16="http://schemas.microsoft.com/office/drawing/2014/main" id="{FB3161FA-B4B9-4272-B6A6-717631B26E1B}"/>
+              </a:ext>
+            </a:extLst>
+          </p:cNvPr>
+          <p:cNvSpPr txBox="1">
+            <a:spLocks/>
+          </p:cNvSpPr>
+          <p:nvPr/>
+        </p:nvSpPr>
+        <p:spPr>
+          <a:xfrm>
+            <a:off x="515365" y="166083"/>
+            <a:ext cx="8444077" cy="880219"/>
+          </a:xfrm>
+          <a:prstGeom prst="rect">
+            <a:avLst/>
+          </a:prstGeom>
+        </p:spPr>
+        <p:txBody>
+          <a:bodyPr vert="horz" lIns="91440" tIns="45720" rIns="91440" bIns="45720" rtlCol="0" anchor="ctr">
+            <a:normAutofit/>
+          </a:bodyPr>
+          <a:lstStyle>
+            <a:lvl1pPr algn="l" defTabSz="914400" rtl="0" eaLnBrk="1" latinLnBrk="0" hangingPunct="1">
+              <a:lnSpc>
+                <a:spcPct val="90000"/>
+              </a:lnSpc>
+              <a:spcBef>
+                <a:spcPct val="0"/>
+              </a:spcBef>
+              <a:buNone/>
+              <a:defRPr sz="4400" kern="1200">
+                <a:solidFill>
+                  <a:schemeClr val="tx1"/>
+                </a:solidFill>
+                <a:latin typeface="+mj-lt"/>
+                <a:ea typeface="+mj-ea"/>
+                <a:cs typeface="+mj-cs"/>
+              </a:defRPr>
+            </a:lvl1pPr>
+          </a:lstStyle>
+          <a:p>
+            <a:r>
+              <a:rPr lang="en-US" dirty="0"/>
+              <a:t>Model Summary – outlier analysis</a:t>
+            </a:r>
+          </a:p>
+        </p:txBody>
+      </p:sp>
+    </p:spTree>
+    <p:extLst>
+      <p:ext uri="{BB962C8B-B14F-4D97-AF65-F5344CB8AC3E}">
+        <p14:creationId xmlns:p14="http://schemas.microsoft.com/office/powerpoint/2010/main" val="400137791"/>
+      </p:ext>
+    </p:extLst>
+  </p:cSld>
+  <p:clrMapOvr>
+    <a:masterClrMapping/>
+  </p:clrMapOvr>
+</p:sld>
+</file>
+
+<file path=ppt/slides/slide19.xml><?xml version="1.0" encoding="utf-8"?>
+<p:sld xmlns:a="http://schemas.openxmlformats.org/drawingml/2006/main" xmlns:r="http://schemas.openxmlformats.org/officeDocument/2006/relationships" xmlns:p="http://schemas.openxmlformats.org/presentationml/2006/main">
+  <p:cSld>
+    <p:spTree>
+      <p:nvGrpSpPr>
+        <p:cNvPr id="1" name=""/>
+        <p:cNvGrpSpPr/>
+        <p:nvPr/>
+      </p:nvGrpSpPr>
+      <p:grpSpPr>
+        <a:xfrm>
+          <a:off x="0" y="0"/>
+          <a:ext cx="0" cy="0"/>
+          <a:chOff x="0" y="0"/>
+          <a:chExt cx="0" cy="0"/>
+        </a:xfrm>
+      </p:grpSpPr>
+      <p:sp>
+        <p:nvSpPr>
+          <p:cNvPr id="2" name="Title 1">
+            <a:extLst>
+              <a:ext uri="{FF2B5EF4-FFF2-40B4-BE49-F238E27FC236}">
+                <a16:creationId xmlns:a16="http://schemas.microsoft.com/office/drawing/2014/main" id="{C4C4C33D-3AC3-4AD3-B177-A9FE0113A5D6}"/>
+              </a:ext>
+            </a:extLst>
+          </p:cNvPr>
+          <p:cNvSpPr>
+            <a:spLocks noGrp="1"/>
+          </p:cNvSpPr>
+          <p:nvPr>
+            <p:ph type="title"/>
+          </p:nvPr>
+        </p:nvSpPr>
+        <p:spPr>
+          <a:xfrm>
+            <a:off x="838200" y="365125"/>
+            <a:ext cx="10515600" cy="592243"/>
+          </a:xfrm>
+        </p:spPr>
+        <p:txBody>
+          <a:bodyPr>
+            <a:normAutofit fontScale="90000"/>
+          </a:bodyPr>
+          <a:lstStyle/>
+          <a:p>
+            <a:r>
+              <a:rPr lang="en-US" dirty="0"/>
+              <a:t>Std Deviance residual plot comparison</a:t>
+            </a:r>
+          </a:p>
+        </p:txBody>
+      </p:sp>
+      <p:sp>
+        <p:nvSpPr>
+          <p:cNvPr id="8" name="Title 1">
+            <a:extLst>
+              <a:ext uri="{FF2B5EF4-FFF2-40B4-BE49-F238E27FC236}">
+                <a16:creationId xmlns:a16="http://schemas.microsoft.com/office/drawing/2014/main" id="{0565F791-ED08-40B4-A167-5DB6373EF14C}"/>
+              </a:ext>
+            </a:extLst>
+          </p:cNvPr>
+          <p:cNvSpPr txBox="1">
+            <a:spLocks/>
+          </p:cNvSpPr>
+          <p:nvPr/>
+        </p:nvSpPr>
+        <p:spPr>
+          <a:xfrm>
+            <a:off x="838200" y="957368"/>
+            <a:ext cx="2492829" cy="880219"/>
+          </a:xfrm>
+          <a:prstGeom prst="rect">
+            <a:avLst/>
+          </a:prstGeom>
+        </p:spPr>
+        <p:txBody>
+          <a:bodyPr vert="horz" lIns="91440" tIns="45720" rIns="91440" bIns="45720" rtlCol="0" anchor="ctr">
+            <a:normAutofit/>
+          </a:bodyPr>
+          <a:lstStyle>
+            <a:lvl1pPr algn="l" defTabSz="914400" rtl="0" eaLnBrk="1" latinLnBrk="0" hangingPunct="1">
+              <a:lnSpc>
+                <a:spcPct val="90000"/>
+              </a:lnSpc>
+              <a:spcBef>
+                <a:spcPct val="0"/>
+              </a:spcBef>
+              <a:buNone/>
+              <a:defRPr sz="4400" kern="1200">
+                <a:solidFill>
+                  <a:schemeClr val="tx1"/>
+                </a:solidFill>
+                <a:latin typeface="+mj-lt"/>
+                <a:ea typeface="+mj-ea"/>
+                <a:cs typeface="+mj-cs"/>
+              </a:defRPr>
+            </a:lvl1pPr>
+          </a:lstStyle>
+          <a:p>
+            <a:r>
+              <a:rPr lang="en-US" dirty="0"/>
+              <a:t>train</a:t>
+            </a:r>
+          </a:p>
+        </p:txBody>
+      </p:sp>
+      <p:sp>
+        <p:nvSpPr>
+          <p:cNvPr id="9" name="Title 1">
+            <a:extLst>
+              <a:ext uri="{FF2B5EF4-FFF2-40B4-BE49-F238E27FC236}">
+                <a16:creationId xmlns:a16="http://schemas.microsoft.com/office/drawing/2014/main" id="{EE2A52C6-97BC-411F-9CAE-5AE5354CEB7F}"/>
+              </a:ext>
+            </a:extLst>
+          </p:cNvPr>
+          <p:cNvSpPr txBox="1">
+            <a:spLocks/>
+          </p:cNvSpPr>
+          <p:nvPr/>
+        </p:nvSpPr>
+        <p:spPr>
+          <a:xfrm>
+            <a:off x="4509622" y="1046302"/>
+            <a:ext cx="3548770" cy="836245"/>
+          </a:xfrm>
+          <a:prstGeom prst="rect">
+            <a:avLst/>
+          </a:prstGeom>
+        </p:spPr>
+        <p:txBody>
+          <a:bodyPr vert="horz" lIns="91440" tIns="45720" rIns="91440" bIns="45720" rtlCol="0" anchor="ctr">
+            <a:normAutofit fontScale="32500" lnSpcReduction="20000"/>
+          </a:bodyPr>
+          <a:lstStyle>
+            <a:lvl1pPr algn="l" defTabSz="914400" rtl="0" eaLnBrk="1" latinLnBrk="0" hangingPunct="1">
+              <a:lnSpc>
+                <a:spcPct val="90000"/>
+              </a:lnSpc>
+              <a:spcBef>
+                <a:spcPct val="0"/>
+              </a:spcBef>
+              <a:buNone/>
+              <a:defRPr sz="4400" kern="1200">
+                <a:solidFill>
+                  <a:schemeClr val="tx1"/>
+                </a:solidFill>
+                <a:latin typeface="+mj-lt"/>
+                <a:ea typeface="+mj-ea"/>
+                <a:cs typeface="+mj-cs"/>
+              </a:defRPr>
+            </a:lvl1pPr>
+          </a:lstStyle>
+          <a:p>
+            <a:r>
+              <a:rPr lang="en-US" b="1" dirty="0"/>
+              <a:t>train 2</a:t>
+            </a:r>
+          </a:p>
+          <a:p>
+            <a:r>
+              <a:rPr lang="en-US" sz="4400" dirty="0"/>
+              <a:t>train2 &lt;- train %&gt;% </a:t>
+            </a:r>
+            <a:r>
+              <a:rPr lang="en-US" sz="4400" dirty="0" err="1"/>
+              <a:t>dplyr</a:t>
+            </a:r>
+            <a:r>
+              <a:rPr lang="en-US" sz="4400" dirty="0"/>
+              <a:t>::filter(!</a:t>
+            </a:r>
+            <a:r>
+              <a:rPr lang="en-US" sz="4400" dirty="0" err="1"/>
+              <a:t>rownames</a:t>
+            </a:r>
+            <a:r>
+              <a:rPr lang="en-US" sz="4400" dirty="0"/>
+              <a:t>(train) %in% c("17215","33682","21207"))</a:t>
+            </a:r>
+            <a:endParaRPr lang="en-US" dirty="0"/>
+          </a:p>
+        </p:txBody>
+      </p:sp>
+      <p:sp>
+        <p:nvSpPr>
+          <p:cNvPr id="10" name="Title 1">
+            <a:extLst>
+              <a:ext uri="{FF2B5EF4-FFF2-40B4-BE49-F238E27FC236}">
+                <a16:creationId xmlns:a16="http://schemas.microsoft.com/office/drawing/2014/main" id="{886AF621-D723-43B6-A30D-D567A5C7C222}"/>
+              </a:ext>
+            </a:extLst>
+          </p:cNvPr>
+          <p:cNvSpPr txBox="1">
+            <a:spLocks/>
+          </p:cNvSpPr>
+          <p:nvPr/>
+        </p:nvSpPr>
+        <p:spPr>
+          <a:xfrm>
+            <a:off x="8811795" y="1046302"/>
+            <a:ext cx="3754914" cy="672398"/>
+          </a:xfrm>
+          <a:prstGeom prst="rect">
+            <a:avLst/>
+          </a:prstGeom>
+        </p:spPr>
+        <p:txBody>
+          <a:bodyPr vert="horz" lIns="91440" tIns="45720" rIns="91440" bIns="45720" rtlCol="0" anchor="ctr">
+            <a:normAutofit fontScale="25000" lnSpcReduction="20000"/>
+          </a:bodyPr>
+          <a:lstStyle>
+            <a:lvl1pPr algn="l" defTabSz="914400" rtl="0" eaLnBrk="1" latinLnBrk="0" hangingPunct="1">
+              <a:lnSpc>
+                <a:spcPct val="90000"/>
+              </a:lnSpc>
+              <a:spcBef>
+                <a:spcPct val="0"/>
+              </a:spcBef>
+              <a:buNone/>
+              <a:defRPr sz="4400" kern="1200">
+                <a:solidFill>
+                  <a:schemeClr val="tx1"/>
+                </a:solidFill>
+                <a:latin typeface="+mj-lt"/>
+                <a:ea typeface="+mj-ea"/>
+                <a:cs typeface="+mj-cs"/>
+              </a:defRPr>
+            </a:lvl1pPr>
+          </a:lstStyle>
+          <a:p>
+            <a:r>
+              <a:rPr lang="en-US" b="1" dirty="0"/>
+              <a:t>train 3</a:t>
+            </a:r>
+          </a:p>
+          <a:p>
+            <a:r>
+              <a:rPr lang="fr-FR" dirty="0"/>
+              <a:t>train3 &lt;- train %&gt;% </a:t>
+            </a:r>
+            <a:r>
+              <a:rPr lang="fr-FR" dirty="0" err="1"/>
+              <a:t>dplyr</a:t>
+            </a:r>
+            <a:r>
+              <a:rPr lang="fr-FR" dirty="0"/>
+              <a:t>::</a:t>
+            </a:r>
+            <a:r>
+              <a:rPr lang="fr-FR" dirty="0" err="1"/>
+              <a:t>filter</a:t>
+            </a:r>
+            <a:r>
+              <a:rPr lang="fr-FR" dirty="0"/>
+              <a:t>(</a:t>
+            </a:r>
+            <a:r>
+              <a:rPr lang="fr-FR" dirty="0" err="1"/>
+              <a:t>rownames</a:t>
+            </a:r>
+            <a:r>
+              <a:rPr lang="fr-FR" dirty="0"/>
+              <a:t>(train) %in% c("17215","33682","21207","24649","18438","21185"))</a:t>
+            </a:r>
+            <a:endParaRPr lang="en-US" dirty="0"/>
+          </a:p>
+        </p:txBody>
+      </p:sp>
+      <p:pic>
+        <p:nvPicPr>
+          <p:cNvPr id="13" name="Content Placeholder 12">
+            <a:extLst>
+              <a:ext uri="{FF2B5EF4-FFF2-40B4-BE49-F238E27FC236}">
+                <a16:creationId xmlns:a16="http://schemas.microsoft.com/office/drawing/2014/main" id="{860E4002-AFB4-44A2-88E1-DFCC02675AA8}"/>
+              </a:ext>
+            </a:extLst>
+          </p:cNvPr>
+          <p:cNvPicPr>
+            <a:picLocks noGrp="1" noChangeAspect="1"/>
+          </p:cNvPicPr>
+          <p:nvPr>
+            <p:ph idx="1"/>
+          </p:nvPr>
+        </p:nvPicPr>
+        <p:blipFill>
+          <a:blip r:embed="rId2"/>
+          <a:stretch>
+            <a:fillRect/>
+          </a:stretch>
+        </p:blipFill>
+        <p:spPr>
+          <a:xfrm>
+            <a:off x="342980" y="1718700"/>
+            <a:ext cx="3634707" cy="4351338"/>
+          </a:xfrm>
+          <a:prstGeom prst="rect">
+            <a:avLst/>
+          </a:prstGeom>
+        </p:spPr>
+      </p:pic>
+      <p:pic>
+        <p:nvPicPr>
+          <p:cNvPr id="14" name="Content Placeholder 4">
+            <a:extLst>
+              <a:ext uri="{FF2B5EF4-FFF2-40B4-BE49-F238E27FC236}">
+                <a16:creationId xmlns:a16="http://schemas.microsoft.com/office/drawing/2014/main" id="{E06D6EF2-9141-40DC-B06B-A2BFEAE89668}"/>
+              </a:ext>
+            </a:extLst>
+          </p:cNvPr>
+          <p:cNvPicPr>
+            <a:picLocks noChangeAspect="1"/>
+          </p:cNvPicPr>
+          <p:nvPr/>
+        </p:nvPicPr>
+        <p:blipFill>
+          <a:blip r:embed="rId3"/>
+          <a:stretch>
+            <a:fillRect/>
+          </a:stretch>
+        </p:blipFill>
+        <p:spPr>
+          <a:xfrm>
+            <a:off x="4084432" y="1718700"/>
+            <a:ext cx="3788080" cy="4351338"/>
+          </a:xfrm>
+          <a:prstGeom prst="rect">
+            <a:avLst/>
+          </a:prstGeom>
+        </p:spPr>
+      </p:pic>
+      <p:pic>
+        <p:nvPicPr>
+          <p:cNvPr id="16" name="Picture 15">
+            <a:extLst>
+              <a:ext uri="{FF2B5EF4-FFF2-40B4-BE49-F238E27FC236}">
+                <a16:creationId xmlns:a16="http://schemas.microsoft.com/office/drawing/2014/main" id="{728EF0DD-0B17-4E0D-AAD9-2333E66B129B}"/>
+              </a:ext>
+            </a:extLst>
+          </p:cNvPr>
+          <p:cNvPicPr>
+            <a:picLocks noChangeAspect="1"/>
+          </p:cNvPicPr>
+          <p:nvPr/>
+        </p:nvPicPr>
+        <p:blipFill>
+          <a:blip r:embed="rId4"/>
+          <a:stretch>
+            <a:fillRect/>
+          </a:stretch>
+        </p:blipFill>
+        <p:spPr>
+          <a:xfrm>
+            <a:off x="7872512" y="1718700"/>
+            <a:ext cx="4385107" cy="4351338"/>
+          </a:xfrm>
+          <a:prstGeom prst="rect">
+            <a:avLst/>
+          </a:prstGeom>
+        </p:spPr>
+      </p:pic>
+    </p:spTree>
+    <p:extLst>
+      <p:ext uri="{BB962C8B-B14F-4D97-AF65-F5344CB8AC3E}">
+        <p14:creationId xmlns:p14="http://schemas.microsoft.com/office/powerpoint/2010/main" val="2868179035"/>
       </p:ext>
     </p:extLst>
   </p:cSld>
@@ -5892,6 +6643,2185 @@
     <p:extLst>
       <p:ext uri="{BB962C8B-B14F-4D97-AF65-F5344CB8AC3E}">
         <p14:creationId xmlns:p14="http://schemas.microsoft.com/office/powerpoint/2010/main" val="3482498676"/>
+      </p:ext>
+    </p:extLst>
+  </p:cSld>
+  <p:clrMapOvr>
+    <a:masterClrMapping/>
+  </p:clrMapOvr>
+</p:sld>
+</file>
+
+<file path=ppt/slides/slide20.xml><?xml version="1.0" encoding="utf-8"?>
+<p:sld xmlns:a="http://schemas.openxmlformats.org/drawingml/2006/main" xmlns:r="http://schemas.openxmlformats.org/officeDocument/2006/relationships" xmlns:p="http://schemas.openxmlformats.org/presentationml/2006/main">
+  <p:cSld>
+    <p:spTree>
+      <p:nvGrpSpPr>
+        <p:cNvPr id="1" name=""/>
+        <p:cNvGrpSpPr/>
+        <p:nvPr/>
+      </p:nvGrpSpPr>
+      <p:grpSpPr>
+        <a:xfrm>
+          <a:off x="0" y="0"/>
+          <a:ext cx="0" cy="0"/>
+          <a:chOff x="0" y="0"/>
+          <a:chExt cx="0" cy="0"/>
+        </a:xfrm>
+      </p:grpSpPr>
+      <p:sp>
+        <p:nvSpPr>
+          <p:cNvPr id="2" name="Title 1">
+            <a:extLst>
+              <a:ext uri="{FF2B5EF4-FFF2-40B4-BE49-F238E27FC236}">
+                <a16:creationId xmlns:a16="http://schemas.microsoft.com/office/drawing/2014/main" id="{C4C4C33D-3AC3-4AD3-B177-A9FE0113A5D6}"/>
+              </a:ext>
+            </a:extLst>
+          </p:cNvPr>
+          <p:cNvSpPr>
+            <a:spLocks noGrp="1"/>
+          </p:cNvSpPr>
+          <p:nvPr>
+            <p:ph type="title"/>
+          </p:nvPr>
+        </p:nvSpPr>
+        <p:spPr>
+          <a:xfrm>
+            <a:off x="838200" y="365125"/>
+            <a:ext cx="10515600" cy="592243"/>
+          </a:xfrm>
+        </p:spPr>
+        <p:txBody>
+          <a:bodyPr>
+            <a:normAutofit fontScale="90000"/>
+          </a:bodyPr>
+          <a:lstStyle/>
+          <a:p>
+            <a:r>
+              <a:rPr lang="en-US" dirty="0"/>
+              <a:t>Sqrt Std Deviance residual plot comparison</a:t>
+            </a:r>
+          </a:p>
+        </p:txBody>
+      </p:sp>
+      <p:pic>
+        <p:nvPicPr>
+          <p:cNvPr id="4" name="Content Placeholder 4">
+            <a:extLst>
+              <a:ext uri="{FF2B5EF4-FFF2-40B4-BE49-F238E27FC236}">
+                <a16:creationId xmlns:a16="http://schemas.microsoft.com/office/drawing/2014/main" id="{F92203BC-091A-4D0F-9D69-42E848B2E4B7}"/>
+              </a:ext>
+            </a:extLst>
+          </p:cNvPr>
+          <p:cNvPicPr>
+            <a:picLocks noGrp="1" noChangeAspect="1"/>
+          </p:cNvPicPr>
+          <p:nvPr>
+            <p:ph idx="1"/>
+          </p:nvPr>
+        </p:nvPicPr>
+        <p:blipFill>
+          <a:blip r:embed="rId2"/>
+          <a:stretch>
+            <a:fillRect/>
+          </a:stretch>
+        </p:blipFill>
+        <p:spPr>
+          <a:xfrm>
+            <a:off x="753072" y="1867570"/>
+            <a:ext cx="3756550" cy="4351338"/>
+          </a:xfrm>
+        </p:spPr>
+      </p:pic>
+      <p:pic>
+        <p:nvPicPr>
+          <p:cNvPr id="5" name="Picture 4">
+            <a:extLst>
+              <a:ext uri="{FF2B5EF4-FFF2-40B4-BE49-F238E27FC236}">
+                <a16:creationId xmlns:a16="http://schemas.microsoft.com/office/drawing/2014/main" id="{F5D5586A-D3AB-4E84-A3D6-8F72333F91A0}"/>
+              </a:ext>
+            </a:extLst>
+          </p:cNvPr>
+          <p:cNvPicPr>
+            <a:picLocks noChangeAspect="1"/>
+          </p:cNvPicPr>
+          <p:nvPr/>
+        </p:nvPicPr>
+        <p:blipFill>
+          <a:blip r:embed="rId3"/>
+          <a:stretch>
+            <a:fillRect/>
+          </a:stretch>
+        </p:blipFill>
+        <p:spPr>
+          <a:xfrm>
+            <a:off x="4585982" y="1867571"/>
+            <a:ext cx="4004345" cy="4351338"/>
+          </a:xfrm>
+          <a:prstGeom prst="rect">
+            <a:avLst/>
+          </a:prstGeom>
+        </p:spPr>
+      </p:pic>
+      <p:pic>
+        <p:nvPicPr>
+          <p:cNvPr id="7" name="Picture 6">
+            <a:extLst>
+              <a:ext uri="{FF2B5EF4-FFF2-40B4-BE49-F238E27FC236}">
+                <a16:creationId xmlns:a16="http://schemas.microsoft.com/office/drawing/2014/main" id="{DD50A936-D3B7-4D2C-8770-4FCC94DD2A0E}"/>
+              </a:ext>
+            </a:extLst>
+          </p:cNvPr>
+          <p:cNvPicPr>
+            <a:picLocks noChangeAspect="1"/>
+          </p:cNvPicPr>
+          <p:nvPr/>
+        </p:nvPicPr>
+        <p:blipFill>
+          <a:blip r:embed="rId4"/>
+          <a:stretch>
+            <a:fillRect/>
+          </a:stretch>
+        </p:blipFill>
+        <p:spPr>
+          <a:xfrm>
+            <a:off x="8590327" y="1867569"/>
+            <a:ext cx="3601674" cy="4351339"/>
+          </a:xfrm>
+          <a:prstGeom prst="rect">
+            <a:avLst/>
+          </a:prstGeom>
+        </p:spPr>
+      </p:pic>
+      <p:sp>
+        <p:nvSpPr>
+          <p:cNvPr id="8" name="Title 1">
+            <a:extLst>
+              <a:ext uri="{FF2B5EF4-FFF2-40B4-BE49-F238E27FC236}">
+                <a16:creationId xmlns:a16="http://schemas.microsoft.com/office/drawing/2014/main" id="{0565F791-ED08-40B4-A167-5DB6373EF14C}"/>
+              </a:ext>
+            </a:extLst>
+          </p:cNvPr>
+          <p:cNvSpPr txBox="1">
+            <a:spLocks/>
+          </p:cNvSpPr>
+          <p:nvPr/>
+        </p:nvSpPr>
+        <p:spPr>
+          <a:xfrm>
+            <a:off x="838200" y="957368"/>
+            <a:ext cx="2492829" cy="880219"/>
+          </a:xfrm>
+          <a:prstGeom prst="rect">
+            <a:avLst/>
+          </a:prstGeom>
+        </p:spPr>
+        <p:txBody>
+          <a:bodyPr vert="horz" lIns="91440" tIns="45720" rIns="91440" bIns="45720" rtlCol="0" anchor="ctr">
+            <a:normAutofit/>
+          </a:bodyPr>
+          <a:lstStyle>
+            <a:lvl1pPr algn="l" defTabSz="914400" rtl="0" eaLnBrk="1" latinLnBrk="0" hangingPunct="1">
+              <a:lnSpc>
+                <a:spcPct val="90000"/>
+              </a:lnSpc>
+              <a:spcBef>
+                <a:spcPct val="0"/>
+              </a:spcBef>
+              <a:buNone/>
+              <a:defRPr sz="4400" kern="1200">
+                <a:solidFill>
+                  <a:schemeClr val="tx1"/>
+                </a:solidFill>
+                <a:latin typeface="+mj-lt"/>
+                <a:ea typeface="+mj-ea"/>
+                <a:cs typeface="+mj-cs"/>
+              </a:defRPr>
+            </a:lvl1pPr>
+          </a:lstStyle>
+          <a:p>
+            <a:r>
+              <a:rPr lang="en-US" dirty="0"/>
+              <a:t>train</a:t>
+            </a:r>
+          </a:p>
+        </p:txBody>
+      </p:sp>
+      <p:sp>
+        <p:nvSpPr>
+          <p:cNvPr id="9" name="Title 1">
+            <a:extLst>
+              <a:ext uri="{FF2B5EF4-FFF2-40B4-BE49-F238E27FC236}">
+                <a16:creationId xmlns:a16="http://schemas.microsoft.com/office/drawing/2014/main" id="{EE2A52C6-97BC-411F-9CAE-5AE5354CEB7F}"/>
+              </a:ext>
+            </a:extLst>
+          </p:cNvPr>
+          <p:cNvSpPr txBox="1">
+            <a:spLocks/>
+          </p:cNvSpPr>
+          <p:nvPr/>
+        </p:nvSpPr>
+        <p:spPr>
+          <a:xfrm>
+            <a:off x="4509622" y="1046302"/>
+            <a:ext cx="3548770" cy="836245"/>
+          </a:xfrm>
+          <a:prstGeom prst="rect">
+            <a:avLst/>
+          </a:prstGeom>
+        </p:spPr>
+        <p:txBody>
+          <a:bodyPr vert="horz" lIns="91440" tIns="45720" rIns="91440" bIns="45720" rtlCol="0" anchor="ctr">
+            <a:normAutofit fontScale="32500" lnSpcReduction="20000"/>
+          </a:bodyPr>
+          <a:lstStyle>
+            <a:lvl1pPr algn="l" defTabSz="914400" rtl="0" eaLnBrk="1" latinLnBrk="0" hangingPunct="1">
+              <a:lnSpc>
+                <a:spcPct val="90000"/>
+              </a:lnSpc>
+              <a:spcBef>
+                <a:spcPct val="0"/>
+              </a:spcBef>
+              <a:buNone/>
+              <a:defRPr sz="4400" kern="1200">
+                <a:solidFill>
+                  <a:schemeClr val="tx1"/>
+                </a:solidFill>
+                <a:latin typeface="+mj-lt"/>
+                <a:ea typeface="+mj-ea"/>
+                <a:cs typeface="+mj-cs"/>
+              </a:defRPr>
+            </a:lvl1pPr>
+          </a:lstStyle>
+          <a:p>
+            <a:r>
+              <a:rPr lang="en-US" b="1" dirty="0"/>
+              <a:t>train 2</a:t>
+            </a:r>
+          </a:p>
+          <a:p>
+            <a:r>
+              <a:rPr lang="en-US" sz="4400" dirty="0"/>
+              <a:t>train2 &lt;- train %&gt;% </a:t>
+            </a:r>
+            <a:r>
+              <a:rPr lang="en-US" sz="4400" dirty="0" err="1"/>
+              <a:t>dplyr</a:t>
+            </a:r>
+            <a:r>
+              <a:rPr lang="en-US" sz="4400" dirty="0"/>
+              <a:t>::filter(!</a:t>
+            </a:r>
+            <a:r>
+              <a:rPr lang="en-US" sz="4400" dirty="0" err="1"/>
+              <a:t>rownames</a:t>
+            </a:r>
+            <a:r>
+              <a:rPr lang="en-US" sz="4400" dirty="0"/>
+              <a:t>(train) %in% c("17215","33682","21207"))</a:t>
+            </a:r>
+            <a:endParaRPr lang="en-US" dirty="0"/>
+          </a:p>
+        </p:txBody>
+      </p:sp>
+      <p:sp>
+        <p:nvSpPr>
+          <p:cNvPr id="10" name="Title 1">
+            <a:extLst>
+              <a:ext uri="{FF2B5EF4-FFF2-40B4-BE49-F238E27FC236}">
+                <a16:creationId xmlns:a16="http://schemas.microsoft.com/office/drawing/2014/main" id="{886AF621-D723-43B6-A30D-D567A5C7C222}"/>
+              </a:ext>
+            </a:extLst>
+          </p:cNvPr>
+          <p:cNvSpPr txBox="1">
+            <a:spLocks/>
+          </p:cNvSpPr>
+          <p:nvPr/>
+        </p:nvSpPr>
+        <p:spPr>
+          <a:xfrm>
+            <a:off x="8811795" y="1046302"/>
+            <a:ext cx="3754914" cy="672398"/>
+          </a:xfrm>
+          <a:prstGeom prst="rect">
+            <a:avLst/>
+          </a:prstGeom>
+        </p:spPr>
+        <p:txBody>
+          <a:bodyPr vert="horz" lIns="91440" tIns="45720" rIns="91440" bIns="45720" rtlCol="0" anchor="ctr">
+            <a:normAutofit fontScale="25000" lnSpcReduction="20000"/>
+          </a:bodyPr>
+          <a:lstStyle>
+            <a:lvl1pPr algn="l" defTabSz="914400" rtl="0" eaLnBrk="1" latinLnBrk="0" hangingPunct="1">
+              <a:lnSpc>
+                <a:spcPct val="90000"/>
+              </a:lnSpc>
+              <a:spcBef>
+                <a:spcPct val="0"/>
+              </a:spcBef>
+              <a:buNone/>
+              <a:defRPr sz="4400" kern="1200">
+                <a:solidFill>
+                  <a:schemeClr val="tx1"/>
+                </a:solidFill>
+                <a:latin typeface="+mj-lt"/>
+                <a:ea typeface="+mj-ea"/>
+                <a:cs typeface="+mj-cs"/>
+              </a:defRPr>
+            </a:lvl1pPr>
+          </a:lstStyle>
+          <a:p>
+            <a:r>
+              <a:rPr lang="en-US" b="1" dirty="0"/>
+              <a:t>train 3</a:t>
+            </a:r>
+          </a:p>
+          <a:p>
+            <a:r>
+              <a:rPr lang="fr-FR" dirty="0"/>
+              <a:t>train3 &lt;- train %&gt;% </a:t>
+            </a:r>
+            <a:r>
+              <a:rPr lang="fr-FR" dirty="0" err="1"/>
+              <a:t>dplyr</a:t>
+            </a:r>
+            <a:r>
+              <a:rPr lang="fr-FR" dirty="0"/>
+              <a:t>::</a:t>
+            </a:r>
+            <a:r>
+              <a:rPr lang="fr-FR" dirty="0" err="1"/>
+              <a:t>filter</a:t>
+            </a:r>
+            <a:r>
+              <a:rPr lang="fr-FR" dirty="0"/>
+              <a:t>(</a:t>
+            </a:r>
+            <a:r>
+              <a:rPr lang="fr-FR" dirty="0" err="1"/>
+              <a:t>rownames</a:t>
+            </a:r>
+            <a:r>
+              <a:rPr lang="fr-FR" dirty="0"/>
+              <a:t>(train) %in% c("17215","33682","21207","24649","18438","21185"))</a:t>
+            </a:r>
+            <a:endParaRPr lang="en-US" dirty="0"/>
+          </a:p>
+        </p:txBody>
+      </p:sp>
+    </p:spTree>
+    <p:extLst>
+      <p:ext uri="{BB962C8B-B14F-4D97-AF65-F5344CB8AC3E}">
+        <p14:creationId xmlns:p14="http://schemas.microsoft.com/office/powerpoint/2010/main" val="272661181"/>
+      </p:ext>
+    </p:extLst>
+  </p:cSld>
+  <p:clrMapOvr>
+    <a:masterClrMapping/>
+  </p:clrMapOvr>
+</p:sld>
+</file>
+
+<file path=ppt/slides/slide21.xml><?xml version="1.0" encoding="utf-8"?>
+<p:sld xmlns:a="http://schemas.openxmlformats.org/drawingml/2006/main" xmlns:r="http://schemas.openxmlformats.org/officeDocument/2006/relationships" xmlns:p="http://schemas.openxmlformats.org/presentationml/2006/main">
+  <p:cSld>
+    <p:spTree>
+      <p:nvGrpSpPr>
+        <p:cNvPr id="1" name=""/>
+        <p:cNvGrpSpPr/>
+        <p:nvPr/>
+      </p:nvGrpSpPr>
+      <p:grpSpPr>
+        <a:xfrm>
+          <a:off x="0" y="0"/>
+          <a:ext cx="0" cy="0"/>
+          <a:chOff x="0" y="0"/>
+          <a:chExt cx="0" cy="0"/>
+        </a:xfrm>
+      </p:grpSpPr>
+      <p:sp>
+        <p:nvSpPr>
+          <p:cNvPr id="2" name="Title 1">
+            <a:extLst>
+              <a:ext uri="{FF2B5EF4-FFF2-40B4-BE49-F238E27FC236}">
+                <a16:creationId xmlns:a16="http://schemas.microsoft.com/office/drawing/2014/main" id="{C4C4C33D-3AC3-4AD3-B177-A9FE0113A5D6}"/>
+              </a:ext>
+            </a:extLst>
+          </p:cNvPr>
+          <p:cNvSpPr>
+            <a:spLocks noGrp="1"/>
+          </p:cNvSpPr>
+          <p:nvPr>
+            <p:ph type="title"/>
+          </p:nvPr>
+        </p:nvSpPr>
+        <p:spPr>
+          <a:xfrm>
+            <a:off x="838200" y="365125"/>
+            <a:ext cx="10515600" cy="592243"/>
+          </a:xfrm>
+        </p:spPr>
+        <p:txBody>
+          <a:bodyPr>
+            <a:normAutofit fontScale="90000"/>
+          </a:bodyPr>
+          <a:lstStyle/>
+          <a:p>
+            <a:r>
+              <a:rPr lang="en-US" dirty="0"/>
+              <a:t>Residuals plot comparison</a:t>
+            </a:r>
+          </a:p>
+        </p:txBody>
+      </p:sp>
+      <p:pic>
+        <p:nvPicPr>
+          <p:cNvPr id="4" name="Content Placeholder 4">
+            <a:extLst>
+              <a:ext uri="{FF2B5EF4-FFF2-40B4-BE49-F238E27FC236}">
+                <a16:creationId xmlns:a16="http://schemas.microsoft.com/office/drawing/2014/main" id="{F92203BC-091A-4D0F-9D69-42E848B2E4B7}"/>
+              </a:ext>
+            </a:extLst>
+          </p:cNvPr>
+          <p:cNvPicPr>
+            <a:picLocks noGrp="1" noChangeAspect="1"/>
+          </p:cNvPicPr>
+          <p:nvPr>
+            <p:ph idx="1"/>
+          </p:nvPr>
+        </p:nvPicPr>
+        <p:blipFill>
+          <a:blip r:embed="rId2"/>
+          <a:stretch>
+            <a:fillRect/>
+          </a:stretch>
+        </p:blipFill>
+        <p:spPr>
+          <a:xfrm>
+            <a:off x="753072" y="1867570"/>
+            <a:ext cx="3756550" cy="4351338"/>
+          </a:xfrm>
+        </p:spPr>
+      </p:pic>
+      <p:sp>
+        <p:nvSpPr>
+          <p:cNvPr id="8" name="Title 1">
+            <a:extLst>
+              <a:ext uri="{FF2B5EF4-FFF2-40B4-BE49-F238E27FC236}">
+                <a16:creationId xmlns:a16="http://schemas.microsoft.com/office/drawing/2014/main" id="{0565F791-ED08-40B4-A167-5DB6373EF14C}"/>
+              </a:ext>
+            </a:extLst>
+          </p:cNvPr>
+          <p:cNvSpPr txBox="1">
+            <a:spLocks/>
+          </p:cNvSpPr>
+          <p:nvPr/>
+        </p:nvSpPr>
+        <p:spPr>
+          <a:xfrm>
+            <a:off x="838200" y="957368"/>
+            <a:ext cx="2492829" cy="880219"/>
+          </a:xfrm>
+          <a:prstGeom prst="rect">
+            <a:avLst/>
+          </a:prstGeom>
+        </p:spPr>
+        <p:txBody>
+          <a:bodyPr vert="horz" lIns="91440" tIns="45720" rIns="91440" bIns="45720" rtlCol="0" anchor="ctr">
+            <a:normAutofit/>
+          </a:bodyPr>
+          <a:lstStyle>
+            <a:lvl1pPr algn="l" defTabSz="914400" rtl="0" eaLnBrk="1" latinLnBrk="0" hangingPunct="1">
+              <a:lnSpc>
+                <a:spcPct val="90000"/>
+              </a:lnSpc>
+              <a:spcBef>
+                <a:spcPct val="0"/>
+              </a:spcBef>
+              <a:buNone/>
+              <a:defRPr sz="4400" kern="1200">
+                <a:solidFill>
+                  <a:schemeClr val="tx1"/>
+                </a:solidFill>
+                <a:latin typeface="+mj-lt"/>
+                <a:ea typeface="+mj-ea"/>
+                <a:cs typeface="+mj-cs"/>
+              </a:defRPr>
+            </a:lvl1pPr>
+          </a:lstStyle>
+          <a:p>
+            <a:r>
+              <a:rPr lang="en-US" dirty="0"/>
+              <a:t>train</a:t>
+            </a:r>
+          </a:p>
+        </p:txBody>
+      </p:sp>
+      <p:sp>
+        <p:nvSpPr>
+          <p:cNvPr id="9" name="Title 1">
+            <a:extLst>
+              <a:ext uri="{FF2B5EF4-FFF2-40B4-BE49-F238E27FC236}">
+                <a16:creationId xmlns:a16="http://schemas.microsoft.com/office/drawing/2014/main" id="{EE2A52C6-97BC-411F-9CAE-5AE5354CEB7F}"/>
+              </a:ext>
+            </a:extLst>
+          </p:cNvPr>
+          <p:cNvSpPr txBox="1">
+            <a:spLocks/>
+          </p:cNvSpPr>
+          <p:nvPr/>
+        </p:nvSpPr>
+        <p:spPr>
+          <a:xfrm>
+            <a:off x="4509622" y="1046302"/>
+            <a:ext cx="3548770" cy="836245"/>
+          </a:xfrm>
+          <a:prstGeom prst="rect">
+            <a:avLst/>
+          </a:prstGeom>
+        </p:spPr>
+        <p:txBody>
+          <a:bodyPr vert="horz" lIns="91440" tIns="45720" rIns="91440" bIns="45720" rtlCol="0" anchor="ctr">
+            <a:normAutofit fontScale="32500" lnSpcReduction="20000"/>
+          </a:bodyPr>
+          <a:lstStyle>
+            <a:lvl1pPr algn="l" defTabSz="914400" rtl="0" eaLnBrk="1" latinLnBrk="0" hangingPunct="1">
+              <a:lnSpc>
+                <a:spcPct val="90000"/>
+              </a:lnSpc>
+              <a:spcBef>
+                <a:spcPct val="0"/>
+              </a:spcBef>
+              <a:buNone/>
+              <a:defRPr sz="4400" kern="1200">
+                <a:solidFill>
+                  <a:schemeClr val="tx1"/>
+                </a:solidFill>
+                <a:latin typeface="+mj-lt"/>
+                <a:ea typeface="+mj-ea"/>
+                <a:cs typeface="+mj-cs"/>
+              </a:defRPr>
+            </a:lvl1pPr>
+          </a:lstStyle>
+          <a:p>
+            <a:r>
+              <a:rPr lang="en-US" b="1" dirty="0"/>
+              <a:t>train 2</a:t>
+            </a:r>
+          </a:p>
+          <a:p>
+            <a:r>
+              <a:rPr lang="en-US" sz="4400" dirty="0"/>
+              <a:t>train2 &lt;- train %&gt;% </a:t>
+            </a:r>
+            <a:r>
+              <a:rPr lang="en-US" sz="4400" dirty="0" err="1"/>
+              <a:t>dplyr</a:t>
+            </a:r>
+            <a:r>
+              <a:rPr lang="en-US" sz="4400" dirty="0"/>
+              <a:t>::filter(!</a:t>
+            </a:r>
+            <a:r>
+              <a:rPr lang="en-US" sz="4400" dirty="0" err="1"/>
+              <a:t>rownames</a:t>
+            </a:r>
+            <a:r>
+              <a:rPr lang="en-US" sz="4400" dirty="0"/>
+              <a:t>(train) %in% c("17215","33682","21207"))</a:t>
+            </a:r>
+            <a:endParaRPr lang="en-US" dirty="0"/>
+          </a:p>
+        </p:txBody>
+      </p:sp>
+      <p:sp>
+        <p:nvSpPr>
+          <p:cNvPr id="10" name="Title 1">
+            <a:extLst>
+              <a:ext uri="{FF2B5EF4-FFF2-40B4-BE49-F238E27FC236}">
+                <a16:creationId xmlns:a16="http://schemas.microsoft.com/office/drawing/2014/main" id="{886AF621-D723-43B6-A30D-D567A5C7C222}"/>
+              </a:ext>
+            </a:extLst>
+          </p:cNvPr>
+          <p:cNvSpPr txBox="1">
+            <a:spLocks/>
+          </p:cNvSpPr>
+          <p:nvPr/>
+        </p:nvSpPr>
+        <p:spPr>
+          <a:xfrm>
+            <a:off x="8811795" y="1046302"/>
+            <a:ext cx="3754914" cy="672398"/>
+          </a:xfrm>
+          <a:prstGeom prst="rect">
+            <a:avLst/>
+          </a:prstGeom>
+        </p:spPr>
+        <p:txBody>
+          <a:bodyPr vert="horz" lIns="91440" tIns="45720" rIns="91440" bIns="45720" rtlCol="0" anchor="ctr">
+            <a:normAutofit fontScale="25000" lnSpcReduction="20000"/>
+          </a:bodyPr>
+          <a:lstStyle>
+            <a:lvl1pPr algn="l" defTabSz="914400" rtl="0" eaLnBrk="1" latinLnBrk="0" hangingPunct="1">
+              <a:lnSpc>
+                <a:spcPct val="90000"/>
+              </a:lnSpc>
+              <a:spcBef>
+                <a:spcPct val="0"/>
+              </a:spcBef>
+              <a:buNone/>
+              <a:defRPr sz="4400" kern="1200">
+                <a:solidFill>
+                  <a:schemeClr val="tx1"/>
+                </a:solidFill>
+                <a:latin typeface="+mj-lt"/>
+                <a:ea typeface="+mj-ea"/>
+                <a:cs typeface="+mj-cs"/>
+              </a:defRPr>
+            </a:lvl1pPr>
+          </a:lstStyle>
+          <a:p>
+            <a:r>
+              <a:rPr lang="en-US" b="1" dirty="0"/>
+              <a:t>train 3</a:t>
+            </a:r>
+          </a:p>
+          <a:p>
+            <a:r>
+              <a:rPr lang="fr-FR" dirty="0"/>
+              <a:t>train3 &lt;- train %&gt;% </a:t>
+            </a:r>
+            <a:r>
+              <a:rPr lang="fr-FR" dirty="0" err="1"/>
+              <a:t>dplyr</a:t>
+            </a:r>
+            <a:r>
+              <a:rPr lang="fr-FR" dirty="0"/>
+              <a:t>::</a:t>
+            </a:r>
+            <a:r>
+              <a:rPr lang="fr-FR" dirty="0" err="1"/>
+              <a:t>filter</a:t>
+            </a:r>
+            <a:r>
+              <a:rPr lang="fr-FR" dirty="0"/>
+              <a:t>(</a:t>
+            </a:r>
+            <a:r>
+              <a:rPr lang="fr-FR" dirty="0" err="1"/>
+              <a:t>rownames</a:t>
+            </a:r>
+            <a:r>
+              <a:rPr lang="fr-FR" dirty="0"/>
+              <a:t>(train) %in% c("17215","33682","21207","24649","18438","21185"))</a:t>
+            </a:r>
+            <a:endParaRPr lang="en-US" dirty="0"/>
+          </a:p>
+        </p:txBody>
+      </p:sp>
+      <p:pic>
+        <p:nvPicPr>
+          <p:cNvPr id="11" name="Content Placeholder 4">
+            <a:extLst>
+              <a:ext uri="{FF2B5EF4-FFF2-40B4-BE49-F238E27FC236}">
+                <a16:creationId xmlns:a16="http://schemas.microsoft.com/office/drawing/2014/main" id="{0435B36B-4A26-4885-9B1C-2E651A532809}"/>
+              </a:ext>
+            </a:extLst>
+          </p:cNvPr>
+          <p:cNvPicPr>
+            <a:picLocks noChangeAspect="1"/>
+          </p:cNvPicPr>
+          <p:nvPr/>
+        </p:nvPicPr>
+        <p:blipFill>
+          <a:blip r:embed="rId3"/>
+          <a:stretch>
+            <a:fillRect/>
+          </a:stretch>
+        </p:blipFill>
+        <p:spPr>
+          <a:xfrm>
+            <a:off x="421476" y="1954413"/>
+            <a:ext cx="4125358" cy="4351338"/>
+          </a:xfrm>
+          <a:prstGeom prst="rect">
+            <a:avLst/>
+          </a:prstGeom>
+        </p:spPr>
+      </p:pic>
+      <p:pic>
+        <p:nvPicPr>
+          <p:cNvPr id="12" name="Content Placeholder 4">
+            <a:extLst>
+              <a:ext uri="{FF2B5EF4-FFF2-40B4-BE49-F238E27FC236}">
+                <a16:creationId xmlns:a16="http://schemas.microsoft.com/office/drawing/2014/main" id="{04D9663A-6141-42BB-BF08-A9ACAEE1B878}"/>
+              </a:ext>
+            </a:extLst>
+          </p:cNvPr>
+          <p:cNvPicPr>
+            <a:picLocks noChangeAspect="1"/>
+          </p:cNvPicPr>
+          <p:nvPr/>
+        </p:nvPicPr>
+        <p:blipFill>
+          <a:blip r:embed="rId4"/>
+          <a:stretch>
+            <a:fillRect/>
+          </a:stretch>
+        </p:blipFill>
+        <p:spPr>
+          <a:xfrm>
+            <a:off x="4599192" y="1943070"/>
+            <a:ext cx="3756551" cy="4351339"/>
+          </a:xfrm>
+          <a:prstGeom prst="rect">
+            <a:avLst/>
+          </a:prstGeom>
+        </p:spPr>
+      </p:pic>
+      <p:pic>
+        <p:nvPicPr>
+          <p:cNvPr id="6" name="Picture 5">
+            <a:extLst>
+              <a:ext uri="{FF2B5EF4-FFF2-40B4-BE49-F238E27FC236}">
+                <a16:creationId xmlns:a16="http://schemas.microsoft.com/office/drawing/2014/main" id="{1A03F0E0-9DEE-4733-89A4-C66BA14F3E66}"/>
+              </a:ext>
+            </a:extLst>
+          </p:cNvPr>
+          <p:cNvPicPr>
+            <a:picLocks noChangeAspect="1"/>
+          </p:cNvPicPr>
+          <p:nvPr/>
+        </p:nvPicPr>
+        <p:blipFill>
+          <a:blip r:embed="rId5"/>
+          <a:stretch>
+            <a:fillRect/>
+          </a:stretch>
+        </p:blipFill>
+        <p:spPr>
+          <a:xfrm>
+            <a:off x="8445314" y="1943070"/>
+            <a:ext cx="3676778" cy="4381879"/>
+          </a:xfrm>
+          <a:prstGeom prst="rect">
+            <a:avLst/>
+          </a:prstGeom>
+        </p:spPr>
+      </p:pic>
+    </p:spTree>
+    <p:extLst>
+      <p:ext uri="{BB962C8B-B14F-4D97-AF65-F5344CB8AC3E}">
+        <p14:creationId xmlns:p14="http://schemas.microsoft.com/office/powerpoint/2010/main" val="20620931"/>
+      </p:ext>
+    </p:extLst>
+  </p:cSld>
+  <p:clrMapOvr>
+    <a:masterClrMapping/>
+  </p:clrMapOvr>
+</p:sld>
+</file>
+
+<file path=ppt/slides/slide22.xml><?xml version="1.0" encoding="utf-8"?>
+<p:sld xmlns:a="http://schemas.openxmlformats.org/drawingml/2006/main" xmlns:r="http://schemas.openxmlformats.org/officeDocument/2006/relationships" xmlns:p="http://schemas.openxmlformats.org/presentationml/2006/main">
+  <p:cSld>
+    <p:spTree>
+      <p:nvGrpSpPr>
+        <p:cNvPr id="1" name=""/>
+        <p:cNvGrpSpPr/>
+        <p:nvPr/>
+      </p:nvGrpSpPr>
+      <p:grpSpPr>
+        <a:xfrm>
+          <a:off x="0" y="0"/>
+          <a:ext cx="0" cy="0"/>
+          <a:chOff x="0" y="0"/>
+          <a:chExt cx="0" cy="0"/>
+        </a:xfrm>
+      </p:grpSpPr>
+      <p:sp>
+        <p:nvSpPr>
+          <p:cNvPr id="2" name="Title 1">
+            <a:extLst>
+              <a:ext uri="{FF2B5EF4-FFF2-40B4-BE49-F238E27FC236}">
+                <a16:creationId xmlns:a16="http://schemas.microsoft.com/office/drawing/2014/main" id="{C4C4C33D-3AC3-4AD3-B177-A9FE0113A5D6}"/>
+              </a:ext>
+            </a:extLst>
+          </p:cNvPr>
+          <p:cNvSpPr>
+            <a:spLocks noGrp="1"/>
+          </p:cNvSpPr>
+          <p:nvPr>
+            <p:ph type="title"/>
+          </p:nvPr>
+        </p:nvSpPr>
+        <p:spPr>
+          <a:xfrm>
+            <a:off x="838200" y="365125"/>
+            <a:ext cx="10515600" cy="592243"/>
+          </a:xfrm>
+        </p:spPr>
+        <p:txBody>
+          <a:bodyPr>
+            <a:normAutofit fontScale="90000"/>
+          </a:bodyPr>
+          <a:lstStyle/>
+          <a:p>
+            <a:r>
+              <a:rPr lang="en-US" dirty="0"/>
+              <a:t>Residuals vs. Leverage plot comparison</a:t>
+            </a:r>
+          </a:p>
+        </p:txBody>
+      </p:sp>
+      <p:sp>
+        <p:nvSpPr>
+          <p:cNvPr id="8" name="Title 1">
+            <a:extLst>
+              <a:ext uri="{FF2B5EF4-FFF2-40B4-BE49-F238E27FC236}">
+                <a16:creationId xmlns:a16="http://schemas.microsoft.com/office/drawing/2014/main" id="{0565F791-ED08-40B4-A167-5DB6373EF14C}"/>
+              </a:ext>
+            </a:extLst>
+          </p:cNvPr>
+          <p:cNvSpPr txBox="1">
+            <a:spLocks/>
+          </p:cNvSpPr>
+          <p:nvPr/>
+        </p:nvSpPr>
+        <p:spPr>
+          <a:xfrm>
+            <a:off x="838200" y="957368"/>
+            <a:ext cx="2492829" cy="880219"/>
+          </a:xfrm>
+          <a:prstGeom prst="rect">
+            <a:avLst/>
+          </a:prstGeom>
+        </p:spPr>
+        <p:txBody>
+          <a:bodyPr vert="horz" lIns="91440" tIns="45720" rIns="91440" bIns="45720" rtlCol="0" anchor="ctr">
+            <a:normAutofit/>
+          </a:bodyPr>
+          <a:lstStyle>
+            <a:lvl1pPr algn="l" defTabSz="914400" rtl="0" eaLnBrk="1" latinLnBrk="0" hangingPunct="1">
+              <a:lnSpc>
+                <a:spcPct val="90000"/>
+              </a:lnSpc>
+              <a:spcBef>
+                <a:spcPct val="0"/>
+              </a:spcBef>
+              <a:buNone/>
+              <a:defRPr sz="4400" kern="1200">
+                <a:solidFill>
+                  <a:schemeClr val="tx1"/>
+                </a:solidFill>
+                <a:latin typeface="+mj-lt"/>
+                <a:ea typeface="+mj-ea"/>
+                <a:cs typeface="+mj-cs"/>
+              </a:defRPr>
+            </a:lvl1pPr>
+          </a:lstStyle>
+          <a:p>
+            <a:r>
+              <a:rPr lang="en-US" dirty="0"/>
+              <a:t>train</a:t>
+            </a:r>
+          </a:p>
+        </p:txBody>
+      </p:sp>
+      <p:sp>
+        <p:nvSpPr>
+          <p:cNvPr id="9" name="Title 1">
+            <a:extLst>
+              <a:ext uri="{FF2B5EF4-FFF2-40B4-BE49-F238E27FC236}">
+                <a16:creationId xmlns:a16="http://schemas.microsoft.com/office/drawing/2014/main" id="{EE2A52C6-97BC-411F-9CAE-5AE5354CEB7F}"/>
+              </a:ext>
+            </a:extLst>
+          </p:cNvPr>
+          <p:cNvSpPr txBox="1">
+            <a:spLocks/>
+          </p:cNvSpPr>
+          <p:nvPr/>
+        </p:nvSpPr>
+        <p:spPr>
+          <a:xfrm>
+            <a:off x="4509622" y="1046302"/>
+            <a:ext cx="3548770" cy="836245"/>
+          </a:xfrm>
+          <a:prstGeom prst="rect">
+            <a:avLst/>
+          </a:prstGeom>
+        </p:spPr>
+        <p:txBody>
+          <a:bodyPr vert="horz" lIns="91440" tIns="45720" rIns="91440" bIns="45720" rtlCol="0" anchor="ctr">
+            <a:normAutofit fontScale="32500" lnSpcReduction="20000"/>
+          </a:bodyPr>
+          <a:lstStyle>
+            <a:lvl1pPr algn="l" defTabSz="914400" rtl="0" eaLnBrk="1" latinLnBrk="0" hangingPunct="1">
+              <a:lnSpc>
+                <a:spcPct val="90000"/>
+              </a:lnSpc>
+              <a:spcBef>
+                <a:spcPct val="0"/>
+              </a:spcBef>
+              <a:buNone/>
+              <a:defRPr sz="4400" kern="1200">
+                <a:solidFill>
+                  <a:schemeClr val="tx1"/>
+                </a:solidFill>
+                <a:latin typeface="+mj-lt"/>
+                <a:ea typeface="+mj-ea"/>
+                <a:cs typeface="+mj-cs"/>
+              </a:defRPr>
+            </a:lvl1pPr>
+          </a:lstStyle>
+          <a:p>
+            <a:r>
+              <a:rPr lang="en-US" b="1" dirty="0"/>
+              <a:t>train 2</a:t>
+            </a:r>
+          </a:p>
+          <a:p>
+            <a:r>
+              <a:rPr lang="en-US" sz="4400" dirty="0"/>
+              <a:t>train2 &lt;- train %&gt;% </a:t>
+            </a:r>
+            <a:r>
+              <a:rPr lang="en-US" sz="4400" dirty="0" err="1"/>
+              <a:t>dplyr</a:t>
+            </a:r>
+            <a:r>
+              <a:rPr lang="en-US" sz="4400" dirty="0"/>
+              <a:t>::filter(!</a:t>
+            </a:r>
+            <a:r>
+              <a:rPr lang="en-US" sz="4400" dirty="0" err="1"/>
+              <a:t>rownames</a:t>
+            </a:r>
+            <a:r>
+              <a:rPr lang="en-US" sz="4400" dirty="0"/>
+              <a:t>(train) %in% c("17215","33682","21207"))</a:t>
+            </a:r>
+            <a:endParaRPr lang="en-US" dirty="0"/>
+          </a:p>
+        </p:txBody>
+      </p:sp>
+      <p:sp>
+        <p:nvSpPr>
+          <p:cNvPr id="10" name="Title 1">
+            <a:extLst>
+              <a:ext uri="{FF2B5EF4-FFF2-40B4-BE49-F238E27FC236}">
+                <a16:creationId xmlns:a16="http://schemas.microsoft.com/office/drawing/2014/main" id="{886AF621-D723-43B6-A30D-D567A5C7C222}"/>
+              </a:ext>
+            </a:extLst>
+          </p:cNvPr>
+          <p:cNvSpPr txBox="1">
+            <a:spLocks/>
+          </p:cNvSpPr>
+          <p:nvPr/>
+        </p:nvSpPr>
+        <p:spPr>
+          <a:xfrm>
+            <a:off x="8811795" y="1046302"/>
+            <a:ext cx="3754914" cy="672398"/>
+          </a:xfrm>
+          <a:prstGeom prst="rect">
+            <a:avLst/>
+          </a:prstGeom>
+        </p:spPr>
+        <p:txBody>
+          <a:bodyPr vert="horz" lIns="91440" tIns="45720" rIns="91440" bIns="45720" rtlCol="0" anchor="ctr">
+            <a:normAutofit fontScale="25000" lnSpcReduction="20000"/>
+          </a:bodyPr>
+          <a:lstStyle>
+            <a:lvl1pPr algn="l" defTabSz="914400" rtl="0" eaLnBrk="1" latinLnBrk="0" hangingPunct="1">
+              <a:lnSpc>
+                <a:spcPct val="90000"/>
+              </a:lnSpc>
+              <a:spcBef>
+                <a:spcPct val="0"/>
+              </a:spcBef>
+              <a:buNone/>
+              <a:defRPr sz="4400" kern="1200">
+                <a:solidFill>
+                  <a:schemeClr val="tx1"/>
+                </a:solidFill>
+                <a:latin typeface="+mj-lt"/>
+                <a:ea typeface="+mj-ea"/>
+                <a:cs typeface="+mj-cs"/>
+              </a:defRPr>
+            </a:lvl1pPr>
+          </a:lstStyle>
+          <a:p>
+            <a:r>
+              <a:rPr lang="en-US" b="1" dirty="0"/>
+              <a:t>train 3</a:t>
+            </a:r>
+          </a:p>
+          <a:p>
+            <a:r>
+              <a:rPr lang="fr-FR" dirty="0"/>
+              <a:t>train3 &lt;- train %&gt;% </a:t>
+            </a:r>
+            <a:r>
+              <a:rPr lang="fr-FR" dirty="0" err="1"/>
+              <a:t>dplyr</a:t>
+            </a:r>
+            <a:r>
+              <a:rPr lang="fr-FR" dirty="0"/>
+              <a:t>::</a:t>
+            </a:r>
+            <a:r>
+              <a:rPr lang="fr-FR" dirty="0" err="1"/>
+              <a:t>filter</a:t>
+            </a:r>
+            <a:r>
+              <a:rPr lang="fr-FR" dirty="0"/>
+              <a:t>(</a:t>
+            </a:r>
+            <a:r>
+              <a:rPr lang="fr-FR" dirty="0" err="1"/>
+              <a:t>rownames</a:t>
+            </a:r>
+            <a:r>
+              <a:rPr lang="fr-FR" dirty="0"/>
+              <a:t>(train) %in% c("17215","33682","21207","24649","18438","21185"))</a:t>
+            </a:r>
+            <a:endParaRPr lang="en-US" dirty="0"/>
+          </a:p>
+        </p:txBody>
+      </p:sp>
+      <p:pic>
+        <p:nvPicPr>
+          <p:cNvPr id="5" name="Picture 4">
+            <a:extLst>
+              <a:ext uri="{FF2B5EF4-FFF2-40B4-BE49-F238E27FC236}">
+                <a16:creationId xmlns:a16="http://schemas.microsoft.com/office/drawing/2014/main" id="{A7764C0F-9DE9-4286-B4A6-E663C508073C}"/>
+              </a:ext>
+            </a:extLst>
+          </p:cNvPr>
+          <p:cNvPicPr>
+            <a:picLocks noChangeAspect="1"/>
+          </p:cNvPicPr>
+          <p:nvPr/>
+        </p:nvPicPr>
+        <p:blipFill>
+          <a:blip r:embed="rId2"/>
+          <a:stretch>
+            <a:fillRect/>
+          </a:stretch>
+        </p:blipFill>
+        <p:spPr>
+          <a:xfrm>
+            <a:off x="8408101" y="1943070"/>
+            <a:ext cx="3504344" cy="4275838"/>
+          </a:xfrm>
+          <a:prstGeom prst="rect">
+            <a:avLst/>
+          </a:prstGeom>
+        </p:spPr>
+      </p:pic>
+      <p:pic>
+        <p:nvPicPr>
+          <p:cNvPr id="13" name="Picture 12">
+            <a:extLst>
+              <a:ext uri="{FF2B5EF4-FFF2-40B4-BE49-F238E27FC236}">
+                <a16:creationId xmlns:a16="http://schemas.microsoft.com/office/drawing/2014/main" id="{EF8515EF-9F47-4495-BFB6-1517665AEE4B}"/>
+              </a:ext>
+            </a:extLst>
+          </p:cNvPr>
+          <p:cNvPicPr>
+            <a:picLocks noChangeAspect="1"/>
+          </p:cNvPicPr>
+          <p:nvPr/>
+        </p:nvPicPr>
+        <p:blipFill>
+          <a:blip r:embed="rId3"/>
+          <a:stretch>
+            <a:fillRect/>
+          </a:stretch>
+        </p:blipFill>
+        <p:spPr>
+          <a:xfrm>
+            <a:off x="4509621" y="1943070"/>
+            <a:ext cx="3996815" cy="4362681"/>
+          </a:xfrm>
+          <a:prstGeom prst="rect">
+            <a:avLst/>
+          </a:prstGeom>
+        </p:spPr>
+      </p:pic>
+      <p:pic>
+        <p:nvPicPr>
+          <p:cNvPr id="17" name="Content Placeholder 16">
+            <a:extLst>
+              <a:ext uri="{FF2B5EF4-FFF2-40B4-BE49-F238E27FC236}">
+                <a16:creationId xmlns:a16="http://schemas.microsoft.com/office/drawing/2014/main" id="{B97133F9-D29F-4609-AA1E-44810DF5051B}"/>
+              </a:ext>
+            </a:extLst>
+          </p:cNvPr>
+          <p:cNvPicPr>
+            <a:picLocks noGrp="1" noChangeAspect="1"/>
+          </p:cNvPicPr>
+          <p:nvPr>
+            <p:ph idx="1"/>
+          </p:nvPr>
+        </p:nvPicPr>
+        <p:blipFill>
+          <a:blip r:embed="rId4"/>
+          <a:stretch>
+            <a:fillRect/>
+          </a:stretch>
+        </p:blipFill>
+        <p:spPr>
+          <a:xfrm>
+            <a:off x="838200" y="1943070"/>
+            <a:ext cx="3241141" cy="4351338"/>
+          </a:xfrm>
+        </p:spPr>
+      </p:pic>
+    </p:spTree>
+    <p:extLst>
+      <p:ext uri="{BB962C8B-B14F-4D97-AF65-F5344CB8AC3E}">
+        <p14:creationId xmlns:p14="http://schemas.microsoft.com/office/powerpoint/2010/main" val="3821401625"/>
+      </p:ext>
+    </p:extLst>
+  </p:cSld>
+  <p:clrMapOvr>
+    <a:masterClrMapping/>
+  </p:clrMapOvr>
+</p:sld>
+</file>
+
+<file path=ppt/slides/slide23.xml><?xml version="1.0" encoding="utf-8"?>
+<p:sld xmlns:a="http://schemas.openxmlformats.org/drawingml/2006/main" xmlns:r="http://schemas.openxmlformats.org/officeDocument/2006/relationships" xmlns:p="http://schemas.openxmlformats.org/presentationml/2006/main">
+  <p:cSld>
+    <p:spTree>
+      <p:nvGrpSpPr>
+        <p:cNvPr id="1" name=""/>
+        <p:cNvGrpSpPr/>
+        <p:nvPr/>
+      </p:nvGrpSpPr>
+      <p:grpSpPr>
+        <a:xfrm>
+          <a:off x="0" y="0"/>
+          <a:ext cx="0" cy="0"/>
+          <a:chOff x="0" y="0"/>
+          <a:chExt cx="0" cy="0"/>
+        </a:xfrm>
+      </p:grpSpPr>
+      <p:sp>
+        <p:nvSpPr>
+          <p:cNvPr id="2" name="Title 1">
+            <a:extLst>
+              <a:ext uri="{FF2B5EF4-FFF2-40B4-BE49-F238E27FC236}">
+                <a16:creationId xmlns:a16="http://schemas.microsoft.com/office/drawing/2014/main" id="{68BCC3B7-A5BE-4108-8AB0-175532CE1467}"/>
+              </a:ext>
+            </a:extLst>
+          </p:cNvPr>
+          <p:cNvSpPr>
+            <a:spLocks noGrp="1"/>
+          </p:cNvSpPr>
+          <p:nvPr>
+            <p:ph type="title"/>
+          </p:nvPr>
+        </p:nvSpPr>
+        <p:spPr/>
+        <p:txBody>
+          <a:bodyPr>
+            <a:noAutofit/>
+          </a:bodyPr>
+          <a:lstStyle/>
+          <a:p>
+            <a:r>
+              <a:rPr lang="en-US" sz="4000" dirty="0"/>
+              <a:t>CM stats after removing outliers(train3)</a:t>
+            </a:r>
+          </a:p>
+        </p:txBody>
+      </p:sp>
+      <p:pic>
+        <p:nvPicPr>
+          <p:cNvPr id="9" name="Content Placeholder 8">
+            <a:extLst>
+              <a:ext uri="{FF2B5EF4-FFF2-40B4-BE49-F238E27FC236}">
+                <a16:creationId xmlns:a16="http://schemas.microsoft.com/office/drawing/2014/main" id="{EB48E3C6-CF86-4F84-9DB4-15D4C04A3432}"/>
+              </a:ext>
+            </a:extLst>
+          </p:cNvPr>
+          <p:cNvPicPr>
+            <a:picLocks noGrp="1" noChangeAspect="1"/>
+          </p:cNvPicPr>
+          <p:nvPr>
+            <p:ph idx="1"/>
+          </p:nvPr>
+        </p:nvPicPr>
+        <p:blipFill>
+          <a:blip r:embed="rId2"/>
+          <a:stretch>
+            <a:fillRect/>
+          </a:stretch>
+        </p:blipFill>
+        <p:spPr>
+          <a:xfrm>
+            <a:off x="682173" y="1798003"/>
+            <a:ext cx="1666875" cy="1285875"/>
+          </a:xfrm>
+        </p:spPr>
+      </p:pic>
+      <p:sp>
+        <p:nvSpPr>
+          <p:cNvPr id="10" name="Title 1">
+            <a:extLst>
+              <a:ext uri="{FF2B5EF4-FFF2-40B4-BE49-F238E27FC236}">
+                <a16:creationId xmlns:a16="http://schemas.microsoft.com/office/drawing/2014/main" id="{1D8F96C2-F6FA-4D6F-A1A5-701B32C489D2}"/>
+              </a:ext>
+            </a:extLst>
+          </p:cNvPr>
+          <p:cNvSpPr txBox="1">
+            <a:spLocks/>
+          </p:cNvSpPr>
+          <p:nvPr/>
+        </p:nvSpPr>
+        <p:spPr>
+          <a:xfrm>
+            <a:off x="2441895" y="1317072"/>
+            <a:ext cx="7188666" cy="2449585"/>
+          </a:xfrm>
+          <a:prstGeom prst="rect">
+            <a:avLst/>
+          </a:prstGeom>
+        </p:spPr>
+        <p:txBody>
+          <a:bodyPr vert="horz" lIns="91440" tIns="45720" rIns="91440" bIns="45720" rtlCol="0" anchor="ctr">
+            <a:noAutofit/>
+          </a:bodyPr>
+          <a:lstStyle>
+            <a:lvl1pPr algn="l" defTabSz="914400" rtl="0" eaLnBrk="1" latinLnBrk="0" hangingPunct="1">
+              <a:lnSpc>
+                <a:spcPct val="90000"/>
+              </a:lnSpc>
+              <a:spcBef>
+                <a:spcPct val="0"/>
+              </a:spcBef>
+              <a:buNone/>
+              <a:defRPr sz="4400" kern="1200">
+                <a:solidFill>
+                  <a:schemeClr val="tx1"/>
+                </a:solidFill>
+                <a:latin typeface="+mj-lt"/>
+                <a:ea typeface="+mj-ea"/>
+                <a:cs typeface="+mj-cs"/>
+              </a:defRPr>
+            </a:lvl1pPr>
+          </a:lstStyle>
+          <a:p>
+            <a:r>
+              <a:rPr lang="en-US" sz="1800" dirty="0"/>
+              <a:t>Stats are very similar to those of step model with full data at cut off 0.15</a:t>
+            </a:r>
+          </a:p>
+          <a:p>
+            <a:r>
+              <a:rPr lang="en-US" sz="1800" dirty="0"/>
+              <a:t>Specificity - 0.8356808</a:t>
+            </a:r>
+          </a:p>
+          <a:p>
+            <a:r>
+              <a:rPr lang="en-US" sz="1800" dirty="0"/>
+              <a:t>Sensitivity - 0.8790821</a:t>
+            </a:r>
+          </a:p>
+          <a:p>
+            <a:r>
+              <a:rPr lang="en-US" sz="1800" dirty="0"/>
+              <a:t>Accuracy – 0.8742484</a:t>
+            </a:r>
+          </a:p>
+          <a:p>
+            <a:endParaRPr lang="en-US" sz="4000" dirty="0"/>
+          </a:p>
+        </p:txBody>
+      </p:sp>
+      <p:pic>
+        <p:nvPicPr>
+          <p:cNvPr id="12" name="Picture 11">
+            <a:extLst>
+              <a:ext uri="{FF2B5EF4-FFF2-40B4-BE49-F238E27FC236}">
+                <a16:creationId xmlns:a16="http://schemas.microsoft.com/office/drawing/2014/main" id="{D7A3F8DF-BD97-465D-B5D2-51B1AB6F3D80}"/>
+              </a:ext>
+            </a:extLst>
+          </p:cNvPr>
+          <p:cNvPicPr>
+            <a:picLocks noChangeAspect="1"/>
+          </p:cNvPicPr>
+          <p:nvPr/>
+        </p:nvPicPr>
+        <p:blipFill>
+          <a:blip r:embed="rId3"/>
+          <a:stretch>
+            <a:fillRect/>
+          </a:stretch>
+        </p:blipFill>
+        <p:spPr>
+          <a:xfrm>
+            <a:off x="327171" y="4199247"/>
+            <a:ext cx="12192000" cy="1038714"/>
+          </a:xfrm>
+          <a:prstGeom prst="rect">
+            <a:avLst/>
+          </a:prstGeom>
+        </p:spPr>
+      </p:pic>
+    </p:spTree>
+    <p:extLst>
+      <p:ext uri="{BB962C8B-B14F-4D97-AF65-F5344CB8AC3E}">
+        <p14:creationId xmlns:p14="http://schemas.microsoft.com/office/powerpoint/2010/main" val="3565055365"/>
+      </p:ext>
+    </p:extLst>
+  </p:cSld>
+  <p:clrMapOvr>
+    <a:masterClrMapping/>
+  </p:clrMapOvr>
+</p:sld>
+</file>
+
+<file path=ppt/slides/slide24.xml><?xml version="1.0" encoding="utf-8"?>
+<p:sld xmlns:a="http://schemas.openxmlformats.org/drawingml/2006/main" xmlns:r="http://schemas.openxmlformats.org/officeDocument/2006/relationships" xmlns:p="http://schemas.openxmlformats.org/presentationml/2006/main">
+  <p:cSld>
+    <p:spTree>
+      <p:nvGrpSpPr>
+        <p:cNvPr id="1" name=""/>
+        <p:cNvGrpSpPr/>
+        <p:nvPr/>
+      </p:nvGrpSpPr>
+      <p:grpSpPr>
+        <a:xfrm>
+          <a:off x="0" y="0"/>
+          <a:ext cx="0" cy="0"/>
+          <a:chOff x="0" y="0"/>
+          <a:chExt cx="0" cy="0"/>
+        </a:xfrm>
+      </p:grpSpPr>
+      <p:sp>
+        <p:nvSpPr>
+          <p:cNvPr id="2" name="Title 1">
+            <a:extLst>
+              <a:ext uri="{FF2B5EF4-FFF2-40B4-BE49-F238E27FC236}">
+                <a16:creationId xmlns:a16="http://schemas.microsoft.com/office/drawing/2014/main" id="{9E9FE7F6-CDDF-43DC-B21F-1545C0FA1954}"/>
+              </a:ext>
+            </a:extLst>
+          </p:cNvPr>
+          <p:cNvSpPr>
+            <a:spLocks noGrp="1"/>
+          </p:cNvSpPr>
+          <p:nvPr>
+            <p:ph type="title"/>
+          </p:nvPr>
+        </p:nvSpPr>
+        <p:spPr>
+          <a:xfrm>
+            <a:off x="292916" y="140821"/>
+            <a:ext cx="10515600" cy="448607"/>
+          </a:xfrm>
+        </p:spPr>
+        <p:txBody>
+          <a:bodyPr>
+            <a:normAutofit fontScale="90000"/>
+          </a:bodyPr>
+          <a:lstStyle/>
+          <a:p>
+            <a:r>
+              <a:rPr lang="en-US" dirty="0"/>
+              <a:t>R Code</a:t>
+            </a:r>
+          </a:p>
+        </p:txBody>
+      </p:sp>
+      <p:sp>
+        <p:nvSpPr>
+          <p:cNvPr id="3" name="Content Placeholder 2">
+            <a:extLst>
+              <a:ext uri="{FF2B5EF4-FFF2-40B4-BE49-F238E27FC236}">
+                <a16:creationId xmlns:a16="http://schemas.microsoft.com/office/drawing/2014/main" id="{88ABDC43-4B29-44CD-A9EA-7A30CE9AD159}"/>
+              </a:ext>
+            </a:extLst>
+          </p:cNvPr>
+          <p:cNvSpPr>
+            <a:spLocks noGrp="1"/>
+          </p:cNvSpPr>
+          <p:nvPr>
+            <p:ph idx="1"/>
+          </p:nvPr>
+        </p:nvSpPr>
+        <p:spPr>
+          <a:xfrm>
+            <a:off x="125136" y="589427"/>
+            <a:ext cx="5554211" cy="6127751"/>
+          </a:xfrm>
+        </p:spPr>
+        <p:txBody>
+          <a:bodyPr>
+            <a:noAutofit/>
+          </a:bodyPr>
+          <a:lstStyle/>
+          <a:p>
+            <a:pPr marL="0" indent="0">
+              <a:buNone/>
+            </a:pPr>
+            <a:r>
+              <a:rPr lang="en-US" sz="700" dirty="0"/>
+              <a:t>#Residual diagnostics </a:t>
+            </a:r>
+          </a:p>
+          <a:p>
+            <a:pPr marL="0" indent="0">
+              <a:buNone/>
+            </a:pPr>
+            <a:r>
+              <a:rPr lang="en-US" sz="700" dirty="0"/>
+              <a:t>full.log&lt;-</a:t>
+            </a:r>
+            <a:r>
+              <a:rPr lang="en-US" sz="700" dirty="0" err="1"/>
+              <a:t>glm</a:t>
+            </a:r>
+            <a:r>
+              <a:rPr lang="en-US" sz="700" dirty="0"/>
+              <a:t>(y~education+default+month+duration+campaign+poutcome+cons_price_idx+euribor3m+Age_Grp,family="</a:t>
+            </a:r>
+            <a:r>
+              <a:rPr lang="en-US" sz="700" dirty="0" err="1"/>
+              <a:t>binomial",data</a:t>
+            </a:r>
+            <a:r>
+              <a:rPr lang="en-US" sz="700" dirty="0"/>
+              <a:t>=train)</a:t>
+            </a:r>
+          </a:p>
+          <a:p>
+            <a:pPr marL="0" indent="0">
+              <a:buNone/>
+            </a:pPr>
+            <a:r>
+              <a:rPr lang="en-US" sz="700" dirty="0"/>
+              <a:t>#full.log&lt;-glm(y~.,family="binomial",data=train)</a:t>
+            </a:r>
+          </a:p>
+          <a:p>
+            <a:pPr marL="0" indent="0">
+              <a:buNone/>
+            </a:pPr>
+            <a:r>
+              <a:rPr lang="en-US" sz="700" dirty="0"/>
+              <a:t>step.log&lt;-full.log %&gt;% </a:t>
+            </a:r>
+            <a:r>
+              <a:rPr lang="en-US" sz="700" dirty="0" err="1"/>
+              <a:t>stepAIC</a:t>
+            </a:r>
+            <a:r>
+              <a:rPr lang="en-US" sz="700" dirty="0"/>
+              <a:t>(trace=FALSE)</a:t>
+            </a:r>
+          </a:p>
+          <a:p>
+            <a:pPr marL="0" indent="0">
+              <a:buNone/>
+            </a:pPr>
+            <a:r>
+              <a:rPr lang="en-US" sz="700" dirty="0"/>
+              <a:t>summary(step.log)</a:t>
+            </a:r>
+          </a:p>
+          <a:p>
+            <a:pPr marL="0" indent="0">
+              <a:buNone/>
+            </a:pPr>
+            <a:r>
+              <a:rPr lang="en-US" sz="700" dirty="0"/>
+              <a:t>plot(step.log)</a:t>
+            </a:r>
+          </a:p>
+          <a:p>
+            <a:pPr marL="0" indent="0">
+              <a:buNone/>
+            </a:pPr>
+            <a:r>
+              <a:rPr lang="en-US" sz="700" dirty="0"/>
+              <a:t>#examine outliers 1 </a:t>
+            </a:r>
+          </a:p>
+          <a:p>
+            <a:pPr marL="0" indent="0">
+              <a:buNone/>
+            </a:pPr>
+            <a:r>
+              <a:rPr lang="en-US" sz="700" dirty="0" err="1"/>
+              <a:t>nrow</a:t>
+            </a:r>
+            <a:r>
+              <a:rPr lang="en-US" sz="700" dirty="0"/>
+              <a:t>(train) #30595</a:t>
+            </a:r>
+          </a:p>
+          <a:p>
+            <a:pPr marL="0" indent="0">
+              <a:buNone/>
+            </a:pPr>
+            <a:r>
+              <a:rPr lang="en-US" sz="700" dirty="0"/>
+              <a:t>train2 &lt;- train %&gt;% </a:t>
+            </a:r>
+            <a:r>
+              <a:rPr lang="en-US" sz="700" dirty="0" err="1"/>
+              <a:t>dplyr</a:t>
+            </a:r>
+            <a:r>
+              <a:rPr lang="en-US" sz="700" dirty="0"/>
+              <a:t>::filter(!</a:t>
+            </a:r>
+            <a:r>
+              <a:rPr lang="en-US" sz="700" dirty="0" err="1"/>
+              <a:t>rownames</a:t>
+            </a:r>
+            <a:r>
+              <a:rPr lang="en-US" sz="700" dirty="0"/>
+              <a:t>(train) %in% c("17215","33682","21207"))</a:t>
+            </a:r>
+          </a:p>
+          <a:p>
+            <a:pPr marL="0" indent="0">
+              <a:buNone/>
+            </a:pPr>
+            <a:r>
+              <a:rPr lang="en-US" sz="700" dirty="0" err="1"/>
+              <a:t>nrow</a:t>
+            </a:r>
+            <a:r>
+              <a:rPr lang="en-US" sz="700" dirty="0"/>
+              <a:t>(train2) </a:t>
+            </a:r>
+          </a:p>
+          <a:p>
+            <a:pPr marL="0" indent="0">
+              <a:buNone/>
+            </a:pPr>
+            <a:r>
+              <a:rPr lang="en-US" sz="700" dirty="0"/>
+              <a:t>#Residual diagnostics </a:t>
+            </a:r>
+          </a:p>
+          <a:p>
+            <a:pPr marL="0" indent="0">
+              <a:buNone/>
+            </a:pPr>
+            <a:r>
+              <a:rPr lang="en-US" sz="700" dirty="0"/>
+              <a:t>full.log2&lt;-</a:t>
+            </a:r>
+            <a:r>
+              <a:rPr lang="en-US" sz="700" dirty="0" err="1"/>
+              <a:t>glm</a:t>
+            </a:r>
+            <a:r>
+              <a:rPr lang="en-US" sz="700" dirty="0"/>
+              <a:t>(y~education+default+month+duration+campaign+poutcome+cons_price_idx+euribor3m+Age_Grp,family="</a:t>
+            </a:r>
+            <a:r>
+              <a:rPr lang="en-US" sz="700" dirty="0" err="1"/>
+              <a:t>binomial",data</a:t>
+            </a:r>
+            <a:r>
+              <a:rPr lang="en-US" sz="700" dirty="0"/>
+              <a:t>=train2)</a:t>
+            </a:r>
+          </a:p>
+          <a:p>
+            <a:pPr marL="0" indent="0">
+              <a:buNone/>
+            </a:pPr>
+            <a:r>
+              <a:rPr lang="en-US" sz="700" dirty="0"/>
+              <a:t>#full.log&lt;-glm(y~.,family="binomial",data=train)</a:t>
+            </a:r>
+          </a:p>
+          <a:p>
+            <a:pPr marL="0" indent="0">
+              <a:buNone/>
+            </a:pPr>
+            <a:r>
+              <a:rPr lang="en-US" sz="700" dirty="0"/>
+              <a:t>step.log2&lt;-full.log2 %&gt;% </a:t>
+            </a:r>
+            <a:r>
+              <a:rPr lang="en-US" sz="700" dirty="0" err="1"/>
+              <a:t>stepAIC</a:t>
+            </a:r>
+            <a:r>
+              <a:rPr lang="en-US" sz="700" dirty="0"/>
+              <a:t>(trace=FALSE)</a:t>
+            </a:r>
+          </a:p>
+          <a:p>
+            <a:pPr marL="0" indent="0">
+              <a:buNone/>
+            </a:pPr>
+            <a:r>
+              <a:rPr lang="en-US" sz="700" dirty="0"/>
+              <a:t>summary(step.log2)</a:t>
+            </a:r>
+          </a:p>
+          <a:p>
+            <a:pPr marL="0" indent="0">
+              <a:buNone/>
+            </a:pPr>
+            <a:r>
+              <a:rPr lang="en-US" sz="700" dirty="0"/>
+              <a:t>plot(step.log2)</a:t>
+            </a:r>
+          </a:p>
+          <a:p>
+            <a:pPr marL="0" indent="0">
+              <a:buNone/>
+            </a:pPr>
+            <a:r>
+              <a:rPr lang="en-US" sz="700" dirty="0"/>
+              <a:t>#examine outliers 2 </a:t>
+            </a:r>
+          </a:p>
+          <a:p>
+            <a:pPr marL="0" indent="0">
+              <a:buNone/>
+            </a:pPr>
+            <a:r>
+              <a:rPr lang="en-US" sz="700" dirty="0" err="1"/>
+              <a:t>nrow</a:t>
+            </a:r>
+            <a:r>
+              <a:rPr lang="en-US" sz="700" dirty="0"/>
+              <a:t>(train2) #30592</a:t>
+            </a:r>
+          </a:p>
+          <a:p>
+            <a:pPr marL="0" indent="0">
+              <a:buNone/>
+            </a:pPr>
+            <a:r>
+              <a:rPr lang="en-US" sz="700" dirty="0"/>
+              <a:t>train3 &lt;- train %&gt;% </a:t>
+            </a:r>
+            <a:r>
+              <a:rPr lang="en-US" sz="700" dirty="0" err="1"/>
+              <a:t>dplyr</a:t>
+            </a:r>
+            <a:r>
+              <a:rPr lang="en-US" sz="700" dirty="0"/>
+              <a:t>::filter(!</a:t>
+            </a:r>
+            <a:r>
+              <a:rPr lang="en-US" sz="700" dirty="0" err="1"/>
+              <a:t>rownames</a:t>
+            </a:r>
+            <a:r>
+              <a:rPr lang="en-US" sz="700" dirty="0"/>
+              <a:t>(train) %in% c("17215","33682","21207","24649","18438","21185"))</a:t>
+            </a:r>
+          </a:p>
+          <a:p>
+            <a:pPr marL="0" indent="0">
+              <a:buNone/>
+            </a:pPr>
+            <a:r>
+              <a:rPr lang="en-US" sz="700" dirty="0" err="1"/>
+              <a:t>nrow</a:t>
+            </a:r>
+            <a:r>
+              <a:rPr lang="en-US" sz="700" dirty="0"/>
+              <a:t>(train3) </a:t>
+            </a:r>
+          </a:p>
+          <a:p>
+            <a:pPr marL="0" indent="0">
+              <a:buNone/>
+            </a:pPr>
+            <a:r>
+              <a:rPr lang="en-US" sz="700" dirty="0"/>
+              <a:t>#Residual diagnostics </a:t>
+            </a:r>
+          </a:p>
+          <a:p>
+            <a:pPr marL="0" indent="0">
+              <a:buNone/>
+            </a:pPr>
+            <a:r>
+              <a:rPr lang="en-US" sz="700" dirty="0"/>
+              <a:t>full.log3&lt;-</a:t>
+            </a:r>
+            <a:r>
+              <a:rPr lang="en-US" sz="700" dirty="0" err="1"/>
+              <a:t>glm</a:t>
+            </a:r>
+            <a:r>
+              <a:rPr lang="en-US" sz="700" dirty="0"/>
+              <a:t>(y~education+default+month+duration+campaign+poutcome+cons_price_idx+euribor3m+Age_Grp,family="</a:t>
+            </a:r>
+            <a:r>
+              <a:rPr lang="en-US" sz="700" dirty="0" err="1"/>
+              <a:t>binomial",data</a:t>
+            </a:r>
+            <a:r>
+              <a:rPr lang="en-US" sz="700" dirty="0"/>
+              <a:t>=train3)</a:t>
+            </a:r>
+          </a:p>
+          <a:p>
+            <a:pPr marL="0" indent="0">
+              <a:buNone/>
+            </a:pPr>
+            <a:r>
+              <a:rPr lang="en-US" sz="700" dirty="0"/>
+              <a:t>#full.log&lt;-glm(y~.,family="binomial",data=train)</a:t>
+            </a:r>
+          </a:p>
+          <a:p>
+            <a:pPr marL="0" indent="0">
+              <a:buNone/>
+            </a:pPr>
+            <a:r>
+              <a:rPr lang="en-US" sz="700" dirty="0"/>
+              <a:t>step.log3&lt;-full.log3 %&gt;% </a:t>
+            </a:r>
+            <a:r>
+              <a:rPr lang="en-US" sz="700" dirty="0" err="1"/>
+              <a:t>stepAIC</a:t>
+            </a:r>
+            <a:r>
+              <a:rPr lang="en-US" sz="700" dirty="0"/>
+              <a:t>(trace=FALSE)</a:t>
+            </a:r>
+          </a:p>
+          <a:p>
+            <a:pPr marL="0" indent="0">
+              <a:buNone/>
+            </a:pPr>
+            <a:r>
+              <a:rPr lang="en-US" sz="700" dirty="0"/>
+              <a:t>summary(step.log3)</a:t>
+            </a:r>
+          </a:p>
+          <a:p>
+            <a:pPr marL="0" indent="0">
+              <a:buNone/>
+            </a:pPr>
+            <a:r>
+              <a:rPr lang="en-US" sz="700" dirty="0"/>
+              <a:t>plot(step.log3)</a:t>
+            </a:r>
+          </a:p>
+        </p:txBody>
+      </p:sp>
+      <p:sp>
+        <p:nvSpPr>
+          <p:cNvPr id="4" name="Content Placeholder 2">
+            <a:extLst>
+              <a:ext uri="{FF2B5EF4-FFF2-40B4-BE49-F238E27FC236}">
+                <a16:creationId xmlns:a16="http://schemas.microsoft.com/office/drawing/2014/main" id="{7550CE18-7901-48B6-9A70-65A3E372F2B7}"/>
+              </a:ext>
+            </a:extLst>
+          </p:cNvPr>
+          <p:cNvSpPr txBox="1">
+            <a:spLocks/>
+          </p:cNvSpPr>
+          <p:nvPr/>
+        </p:nvSpPr>
+        <p:spPr>
+          <a:xfrm>
+            <a:off x="5880682" y="589426"/>
+            <a:ext cx="6186181" cy="6127751"/>
+          </a:xfrm>
+          <a:prstGeom prst="rect">
+            <a:avLst/>
+          </a:prstGeom>
+        </p:spPr>
+        <p:txBody>
+          <a:bodyPr vert="horz" lIns="91440" tIns="45720" rIns="91440" bIns="45720" rtlCol="0">
+            <a:normAutofit/>
+          </a:bodyPr>
+          <a:lstStyle>
+            <a:lvl1pPr marL="228600" indent="-228600" algn="l" defTabSz="914400" rtl="0" eaLnBrk="1" latinLnBrk="0" hangingPunct="1">
+              <a:lnSpc>
+                <a:spcPct val="90000"/>
+              </a:lnSpc>
+              <a:spcBef>
+                <a:spcPts val="1000"/>
+              </a:spcBef>
+              <a:buFont typeface="Arial" panose="020B0604020202020204" pitchFamily="34" charset="0"/>
+              <a:buChar char="•"/>
+              <a:defRPr sz="2800" kern="1200">
+                <a:solidFill>
+                  <a:schemeClr val="tx1"/>
+                </a:solidFill>
+                <a:latin typeface="+mn-lt"/>
+                <a:ea typeface="+mn-ea"/>
+                <a:cs typeface="+mn-cs"/>
+              </a:defRPr>
+            </a:lvl1pPr>
+            <a:lvl2pPr marL="685800" indent="-228600" algn="l" defTabSz="914400" rtl="0" eaLnBrk="1" latinLnBrk="0" hangingPunct="1">
+              <a:lnSpc>
+                <a:spcPct val="90000"/>
+              </a:lnSpc>
+              <a:spcBef>
+                <a:spcPts val="500"/>
+              </a:spcBef>
+              <a:buFont typeface="Arial" panose="020B0604020202020204" pitchFamily="34" charset="0"/>
+              <a:buChar char="•"/>
+              <a:defRPr sz="2400" kern="1200">
+                <a:solidFill>
+                  <a:schemeClr val="tx1"/>
+                </a:solidFill>
+                <a:latin typeface="+mn-lt"/>
+                <a:ea typeface="+mn-ea"/>
+                <a:cs typeface="+mn-cs"/>
+              </a:defRPr>
+            </a:lvl2pPr>
+            <a:lvl3pPr marL="1143000" indent="-228600" algn="l" defTabSz="914400" rtl="0" eaLnBrk="1" latinLnBrk="0" hangingPunct="1">
+              <a:lnSpc>
+                <a:spcPct val="90000"/>
+              </a:lnSpc>
+              <a:spcBef>
+                <a:spcPts val="500"/>
+              </a:spcBef>
+              <a:buFont typeface="Arial" panose="020B0604020202020204" pitchFamily="34" charset="0"/>
+              <a:buChar char="•"/>
+              <a:defRPr sz="2000" kern="1200">
+                <a:solidFill>
+                  <a:schemeClr val="tx1"/>
+                </a:solidFill>
+                <a:latin typeface="+mn-lt"/>
+                <a:ea typeface="+mn-ea"/>
+                <a:cs typeface="+mn-cs"/>
+              </a:defRPr>
+            </a:lvl3pPr>
+            <a:lvl4pPr marL="1600200" indent="-228600" algn="l" defTabSz="914400" rtl="0" eaLnBrk="1" latinLnBrk="0" hangingPunct="1">
+              <a:lnSpc>
+                <a:spcPct val="90000"/>
+              </a:lnSpc>
+              <a:spcBef>
+                <a:spcPts val="500"/>
+              </a:spcBef>
+              <a:buFont typeface="Arial" panose="020B0604020202020204" pitchFamily="34" charset="0"/>
+              <a:buChar char="•"/>
+              <a:defRPr sz="1800" kern="1200">
+                <a:solidFill>
+                  <a:schemeClr val="tx1"/>
+                </a:solidFill>
+                <a:latin typeface="+mn-lt"/>
+                <a:ea typeface="+mn-ea"/>
+                <a:cs typeface="+mn-cs"/>
+              </a:defRPr>
+            </a:lvl4pPr>
+            <a:lvl5pPr marL="2057400" indent="-228600" algn="l" defTabSz="914400" rtl="0" eaLnBrk="1" latinLnBrk="0" hangingPunct="1">
+              <a:lnSpc>
+                <a:spcPct val="90000"/>
+              </a:lnSpc>
+              <a:spcBef>
+                <a:spcPts val="500"/>
+              </a:spcBef>
+              <a:buFont typeface="Arial" panose="020B0604020202020204" pitchFamily="34" charset="0"/>
+              <a:buChar char="•"/>
+              <a:defRPr sz="1800" kern="1200">
+                <a:solidFill>
+                  <a:schemeClr val="tx1"/>
+                </a:solidFill>
+                <a:latin typeface="+mn-lt"/>
+                <a:ea typeface="+mn-ea"/>
+                <a:cs typeface="+mn-cs"/>
+              </a:defRPr>
+            </a:lvl5pPr>
+            <a:lvl6pPr marL="2514600" indent="-228600" algn="l" defTabSz="914400" rtl="0" eaLnBrk="1" latinLnBrk="0" hangingPunct="1">
+              <a:lnSpc>
+                <a:spcPct val="90000"/>
+              </a:lnSpc>
+              <a:spcBef>
+                <a:spcPts val="500"/>
+              </a:spcBef>
+              <a:buFont typeface="Arial" panose="020B0604020202020204" pitchFamily="34" charset="0"/>
+              <a:buChar char="•"/>
+              <a:defRPr sz="1800" kern="1200">
+                <a:solidFill>
+                  <a:schemeClr val="tx1"/>
+                </a:solidFill>
+                <a:latin typeface="+mn-lt"/>
+                <a:ea typeface="+mn-ea"/>
+                <a:cs typeface="+mn-cs"/>
+              </a:defRPr>
+            </a:lvl6pPr>
+            <a:lvl7pPr marL="2971800" indent="-228600" algn="l" defTabSz="914400" rtl="0" eaLnBrk="1" latinLnBrk="0" hangingPunct="1">
+              <a:lnSpc>
+                <a:spcPct val="90000"/>
+              </a:lnSpc>
+              <a:spcBef>
+                <a:spcPts val="500"/>
+              </a:spcBef>
+              <a:buFont typeface="Arial" panose="020B0604020202020204" pitchFamily="34" charset="0"/>
+              <a:buChar char="•"/>
+              <a:defRPr sz="1800" kern="1200">
+                <a:solidFill>
+                  <a:schemeClr val="tx1"/>
+                </a:solidFill>
+                <a:latin typeface="+mn-lt"/>
+                <a:ea typeface="+mn-ea"/>
+                <a:cs typeface="+mn-cs"/>
+              </a:defRPr>
+            </a:lvl7pPr>
+            <a:lvl8pPr marL="3429000" indent="-228600" algn="l" defTabSz="914400" rtl="0" eaLnBrk="1" latinLnBrk="0" hangingPunct="1">
+              <a:lnSpc>
+                <a:spcPct val="90000"/>
+              </a:lnSpc>
+              <a:spcBef>
+                <a:spcPts val="500"/>
+              </a:spcBef>
+              <a:buFont typeface="Arial" panose="020B0604020202020204" pitchFamily="34" charset="0"/>
+              <a:buChar char="•"/>
+              <a:defRPr sz="1800" kern="1200">
+                <a:solidFill>
+                  <a:schemeClr val="tx1"/>
+                </a:solidFill>
+                <a:latin typeface="+mn-lt"/>
+                <a:ea typeface="+mn-ea"/>
+                <a:cs typeface="+mn-cs"/>
+              </a:defRPr>
+            </a:lvl8pPr>
+            <a:lvl9pPr marL="3886200" indent="-228600" algn="l" defTabSz="914400" rtl="0" eaLnBrk="1" latinLnBrk="0" hangingPunct="1">
+              <a:lnSpc>
+                <a:spcPct val="90000"/>
+              </a:lnSpc>
+              <a:spcBef>
+                <a:spcPts val="500"/>
+              </a:spcBef>
+              <a:buFont typeface="Arial" panose="020B0604020202020204" pitchFamily="34" charset="0"/>
+              <a:buChar char="•"/>
+              <a:defRPr sz="1800" kern="1200">
+                <a:solidFill>
+                  <a:schemeClr val="tx1"/>
+                </a:solidFill>
+                <a:latin typeface="+mn-lt"/>
+                <a:ea typeface="+mn-ea"/>
+                <a:cs typeface="+mn-cs"/>
+              </a:defRPr>
+            </a:lvl9pPr>
+          </a:lstStyle>
+          <a:p>
+            <a:pPr marL="0" indent="0">
+              <a:buFont typeface="Arial" panose="020B0604020202020204" pitchFamily="34" charset="0"/>
+              <a:buNone/>
+            </a:pPr>
+            <a:r>
+              <a:rPr lang="en-US" sz="1400" dirty="0"/>
+              <a:t>#Confusion matrix on train 3</a:t>
+            </a:r>
+          </a:p>
+          <a:p>
+            <a:pPr marL="0" indent="0">
+              <a:buFont typeface="Arial" panose="020B0604020202020204" pitchFamily="34" charset="0"/>
+              <a:buNone/>
+            </a:pPr>
+            <a:r>
+              <a:rPr lang="en-US" sz="1400" dirty="0"/>
+              <a:t>#Predicting using step </a:t>
+            </a:r>
+          </a:p>
+          <a:p>
+            <a:pPr marL="0" indent="0">
+              <a:buFont typeface="Arial" panose="020B0604020202020204" pitchFamily="34" charset="0"/>
+              <a:buNone/>
+            </a:pPr>
+            <a:r>
+              <a:rPr lang="en-US" sz="1400" dirty="0"/>
+              <a:t>cutoff=0.15</a:t>
+            </a:r>
+          </a:p>
+          <a:p>
+            <a:pPr marL="0" indent="0">
+              <a:buFont typeface="Arial" panose="020B0604020202020204" pitchFamily="34" charset="0"/>
+              <a:buNone/>
+            </a:pPr>
+            <a:r>
+              <a:rPr lang="en-US" sz="1400" dirty="0"/>
+              <a:t>fit.pred.step3&lt;-predict(step.log3,newdata=</a:t>
+            </a:r>
+            <a:r>
+              <a:rPr lang="en-US" sz="1400" dirty="0" err="1"/>
+              <a:t>test,type</a:t>
+            </a:r>
+            <a:r>
+              <a:rPr lang="en-US" sz="1400" dirty="0"/>
+              <a:t>="response")</a:t>
+            </a:r>
+          </a:p>
+          <a:p>
+            <a:pPr marL="0" indent="0">
+              <a:buFont typeface="Arial" panose="020B0604020202020204" pitchFamily="34" charset="0"/>
+              <a:buNone/>
+            </a:pPr>
+            <a:r>
+              <a:rPr lang="en-US" sz="1400" dirty="0"/>
+              <a:t>class.step3&lt;-factor(</a:t>
+            </a:r>
+            <a:r>
+              <a:rPr lang="en-US" sz="1400" dirty="0" err="1"/>
+              <a:t>ifelse</a:t>
+            </a:r>
+            <a:r>
+              <a:rPr lang="en-US" sz="1400" dirty="0"/>
+              <a:t>(fit.pred.step3&gt;</a:t>
+            </a:r>
+            <a:r>
+              <a:rPr lang="en-US" sz="1400" dirty="0" err="1"/>
+              <a:t>cutoff,"yes","no</a:t>
+            </a:r>
+            <a:r>
+              <a:rPr lang="en-US" sz="1400" dirty="0"/>
+              <a:t>"),levels=c("</a:t>
+            </a:r>
+            <a:r>
+              <a:rPr lang="en-US" sz="1400" dirty="0" err="1"/>
+              <a:t>no","yes</a:t>
+            </a:r>
+            <a:r>
+              <a:rPr lang="en-US" sz="1400" dirty="0"/>
+              <a:t>"))</a:t>
+            </a:r>
+          </a:p>
+          <a:p>
+            <a:pPr marL="0" indent="0">
+              <a:buFont typeface="Arial" panose="020B0604020202020204" pitchFamily="34" charset="0"/>
+              <a:buNone/>
+            </a:pPr>
+            <a:r>
+              <a:rPr lang="en-US" sz="1400" dirty="0"/>
+              <a:t>conf.step3&lt;-table(class.step3,test$y)</a:t>
+            </a:r>
+          </a:p>
+          <a:p>
+            <a:pPr marL="0" indent="0">
+              <a:buFont typeface="Arial" panose="020B0604020202020204" pitchFamily="34" charset="0"/>
+              <a:buNone/>
+            </a:pPr>
+            <a:r>
+              <a:rPr lang="en-US" sz="1400" dirty="0"/>
+              <a:t>print("Confusion matrix for Stepwise")</a:t>
+            </a:r>
+          </a:p>
+          <a:p>
+            <a:pPr marL="0" indent="0">
+              <a:buFont typeface="Arial" panose="020B0604020202020204" pitchFamily="34" charset="0"/>
+              <a:buNone/>
+            </a:pPr>
+            <a:r>
+              <a:rPr lang="en-US" sz="1400" dirty="0"/>
+              <a:t>conf.step3</a:t>
+            </a:r>
+          </a:p>
+          <a:p>
+            <a:pPr marL="0" indent="0">
+              <a:buFont typeface="Arial" panose="020B0604020202020204" pitchFamily="34" charset="0"/>
+              <a:buNone/>
+            </a:pPr>
+            <a:r>
+              <a:rPr lang="en-US" sz="1400" dirty="0"/>
+              <a:t>C_conf.step3 &lt;- </a:t>
+            </a:r>
+            <a:r>
+              <a:rPr lang="en-US" sz="1400" dirty="0" err="1"/>
+              <a:t>confusionMatrix</a:t>
+            </a:r>
+            <a:r>
+              <a:rPr lang="en-US" sz="1400" dirty="0"/>
+              <a:t>(conf.step3)</a:t>
+            </a:r>
+          </a:p>
+          <a:p>
+            <a:pPr marL="0" indent="0">
+              <a:buFont typeface="Arial" panose="020B0604020202020204" pitchFamily="34" charset="0"/>
+              <a:buNone/>
+            </a:pPr>
+            <a:r>
+              <a:rPr lang="en-US" sz="1400" dirty="0"/>
+              <a:t>Step_Specificity3 &lt;- C_conf.step3$byClass[2]</a:t>
+            </a:r>
+          </a:p>
+          <a:p>
+            <a:pPr marL="0" indent="0">
+              <a:buFont typeface="Arial" panose="020B0604020202020204" pitchFamily="34" charset="0"/>
+              <a:buNone/>
+            </a:pPr>
+            <a:r>
+              <a:rPr lang="en-US" sz="1400" dirty="0"/>
+              <a:t>Step_Sensitivity3 &lt;- C_conf.step3$byClass[1]</a:t>
+            </a:r>
+          </a:p>
+          <a:p>
+            <a:pPr marL="0" indent="0">
+              <a:buFont typeface="Arial" panose="020B0604020202020204" pitchFamily="34" charset="0"/>
+              <a:buNone/>
+            </a:pPr>
+            <a:r>
+              <a:rPr lang="en-US" sz="1400" dirty="0"/>
+              <a:t>Step_Accuracy3 &lt;- C_conf.step3$overall[1]</a:t>
+            </a:r>
+          </a:p>
+          <a:p>
+            <a:pPr marL="0" indent="0">
+              <a:buFont typeface="Arial" panose="020B0604020202020204" pitchFamily="34" charset="0"/>
+              <a:buNone/>
+            </a:pPr>
+            <a:r>
+              <a:rPr lang="en-US" sz="1400" dirty="0"/>
+              <a:t>#Outliers</a:t>
+            </a:r>
+          </a:p>
+          <a:p>
+            <a:pPr marL="0" indent="0">
+              <a:buFont typeface="Arial" panose="020B0604020202020204" pitchFamily="34" charset="0"/>
+              <a:buNone/>
+            </a:pPr>
+            <a:r>
+              <a:rPr lang="en-US" sz="1400" dirty="0"/>
+              <a:t>train %&gt;% </a:t>
+            </a:r>
+            <a:r>
+              <a:rPr lang="en-US" sz="1400" dirty="0" err="1"/>
+              <a:t>dplyr</a:t>
+            </a:r>
+            <a:r>
+              <a:rPr lang="en-US" sz="1400" dirty="0"/>
+              <a:t>::filter(</a:t>
+            </a:r>
+            <a:r>
+              <a:rPr lang="en-US" sz="1400" dirty="0" err="1"/>
+              <a:t>rownames</a:t>
+            </a:r>
+            <a:r>
+              <a:rPr lang="en-US" sz="1400" dirty="0"/>
+              <a:t>(train) %in% c("17215","33682","21207","24649","18438","21185")) %&gt;% </a:t>
+            </a:r>
+            <a:r>
+              <a:rPr lang="en-US" sz="1400" dirty="0" err="1"/>
+              <a:t>dplyr</a:t>
+            </a:r>
+            <a:r>
+              <a:rPr lang="en-US" sz="1400" dirty="0"/>
+              <a:t>::select(y,education,default,month,duration,campaign,poutcome,cons_price_idx,euribor3m,Age_Grp)</a:t>
+            </a:r>
+          </a:p>
+        </p:txBody>
+      </p:sp>
+    </p:spTree>
+    <p:extLst>
+      <p:ext uri="{BB962C8B-B14F-4D97-AF65-F5344CB8AC3E}">
+        <p14:creationId xmlns:p14="http://schemas.microsoft.com/office/powerpoint/2010/main" val="2403960195"/>
       </p:ext>
     </p:extLst>
   </p:cSld>
